--- a/IBM Private Cloud.pptx
+++ b/IBM Private Cloud.pptx
@@ -8,6 +8,8 @@
     <p:sldId id="256" r:id="rId2"/>
     <p:sldId id="257" r:id="rId3"/>
     <p:sldId id="258" r:id="rId4"/>
+    <p:sldId id="259" r:id="rId5"/>
+    <p:sldId id="260" r:id="rId6"/>
   </p:sldIdLst>
   <p:sldSz cx="12192000" cy="6858000"/>
   <p:notesSz cx="6858000" cy="9144000"/>
@@ -3171,6 +3173,47 @@
           </a:extLst>
         </p:spPr>
       </p:pic>
+      <p:pic>
+        <p:nvPicPr>
+          <p:cNvPr id="1030" name="Picture 6" descr="Káº¿t quáº£ hÃ¬nh áº£nh cho ibm cloud private"/>
+          <p:cNvPicPr>
+            <a:picLocks noChangeAspect="1" noChangeArrowheads="1"/>
+          </p:cNvPicPr>
+          <p:nvPr/>
+        </p:nvPicPr>
+        <p:blipFill>
+          <a:blip r:embed="rId3" cstate="print">
+            <a:extLst>
+              <a:ext uri="{28A0092B-C50C-407E-A947-70E740481C1C}">
+                <a14:useLocalDpi xmlns:a14="http://schemas.microsoft.com/office/drawing/2010/main" val="0"/>
+              </a:ext>
+            </a:extLst>
+          </a:blip>
+          <a:srcRect/>
+          <a:stretch>
+            <a:fillRect/>
+          </a:stretch>
+        </p:blipFill>
+        <p:spPr bwMode="auto">
+          <a:xfrm>
+            <a:off x="9806081" y="5583237"/>
+            <a:ext cx="2385919" cy="1274763"/>
+          </a:xfrm>
+          <a:prstGeom prst="rect">
+            <a:avLst/>
+          </a:prstGeom>
+          <a:noFill/>
+          <a:extLst>
+            <a:ext uri="{909E8E84-426E-40DD-AFC4-6F175D3DCCD1}">
+              <a14:hiddenFill xmlns:a14="http://schemas.microsoft.com/office/drawing/2010/main">
+                <a:solidFill>
+                  <a:srgbClr val="FFFFFF"/>
+                </a:solidFill>
+              </a14:hiddenFill>
+            </a:ext>
+          </a:extLst>
+        </p:spPr>
+      </p:pic>
     </p:spTree>
     <p:extLst>
       <p:ext uri="{BB962C8B-B14F-4D97-AF65-F5344CB8AC3E}">
@@ -3181,6 +3224,13 @@
   <p:clrMapOvr>
     <a:masterClrMapping/>
   </p:clrMapOvr>
+  <p:timing>
+    <p:tnLst>
+      <p:par>
+        <p:cTn id="1" dur="indefinite" restart="never" nodeType="tmRoot"/>
+      </p:par>
+    </p:tnLst>
+  </p:timing>
 </p:sld>
 </file>
 
@@ -3265,7 +3315,7 @@
                 <a:latin typeface="Times New Roman" panose="02020603050405020304" pitchFamily="18" charset="0"/>
                 <a:cs typeface="Times New Roman" panose="02020603050405020304" pitchFamily="18" charset="0"/>
               </a:rPr>
-              <a:t>Overview</a:t>
+              <a:t>Concept</a:t>
             </a:r>
           </a:p>
           <a:p>
@@ -3277,7 +3327,7 @@
                 <a:latin typeface="Times New Roman" panose="02020603050405020304" pitchFamily="18" charset="0"/>
                 <a:cs typeface="Times New Roman" panose="02020603050405020304" pitchFamily="18" charset="0"/>
               </a:rPr>
-              <a:t>Feature</a:t>
+              <a:t>Features</a:t>
             </a:r>
           </a:p>
           <a:p>
@@ -3386,6 +3436,47 @@
           </a:extLst>
         </p:spPr>
       </p:pic>
+      <p:pic>
+        <p:nvPicPr>
+          <p:cNvPr id="6" name="Picture 6" descr="Káº¿t quáº£ hÃ¬nh áº£nh cho ibm cloud private"/>
+          <p:cNvPicPr>
+            <a:picLocks noChangeAspect="1" noChangeArrowheads="1"/>
+          </p:cNvPicPr>
+          <p:nvPr/>
+        </p:nvPicPr>
+        <p:blipFill>
+          <a:blip r:embed="rId3" cstate="print">
+            <a:extLst>
+              <a:ext uri="{28A0092B-C50C-407E-A947-70E740481C1C}">
+                <a14:useLocalDpi xmlns:a14="http://schemas.microsoft.com/office/drawing/2010/main" val="0"/>
+              </a:ext>
+            </a:extLst>
+          </a:blip>
+          <a:srcRect/>
+          <a:stretch>
+            <a:fillRect/>
+          </a:stretch>
+        </p:blipFill>
+        <p:spPr bwMode="auto">
+          <a:xfrm>
+            <a:off x="9806081" y="5583237"/>
+            <a:ext cx="2385919" cy="1274763"/>
+          </a:xfrm>
+          <a:prstGeom prst="rect">
+            <a:avLst/>
+          </a:prstGeom>
+          <a:noFill/>
+          <a:extLst>
+            <a:ext uri="{909E8E84-426E-40DD-AFC4-6F175D3DCCD1}">
+              <a14:hiddenFill xmlns:a14="http://schemas.microsoft.com/office/drawing/2010/main">
+                <a:solidFill>
+                  <a:srgbClr val="FFFFFF"/>
+                </a:solidFill>
+              </a14:hiddenFill>
+            </a:ext>
+          </a:extLst>
+        </p:spPr>
+      </p:pic>
     </p:spTree>
     <p:extLst>
       <p:ext uri="{BB962C8B-B14F-4D97-AF65-F5344CB8AC3E}">
@@ -3396,6 +3487,13 @@
   <p:clrMapOvr>
     <a:masterClrMapping/>
   </p:clrMapOvr>
+  <p:timing>
+    <p:tnLst>
+      <p:par>
+        <p:cTn id="1" dur="indefinite" restart="never" nodeType="tmRoot"/>
+      </p:par>
+    </p:tnLst>
+  </p:timing>
 </p:sld>
 </file>
 
@@ -3720,7 +3818,7 @@
                 <a:latin typeface="Times New Roman" panose="02020603050405020304" pitchFamily="18" charset="0"/>
                 <a:cs typeface="Times New Roman" panose="02020603050405020304" pitchFamily="18" charset="0"/>
               </a:rPr>
-              <a:t>1. Overview</a:t>
+              <a:t>1. Concept</a:t>
             </a:r>
             <a:endParaRPr lang="en-US" sz="4000">
               <a:latin typeface="Times New Roman" panose="02020603050405020304" pitchFamily="18" charset="0"/>
@@ -3729,6 +3827,47 @@
           </a:p>
         </p:txBody>
       </p:sp>
+      <p:pic>
+        <p:nvPicPr>
+          <p:cNvPr id="7" name="Picture 6" descr="Káº¿t quáº£ hÃ¬nh áº£nh cho ibm cloud private"/>
+          <p:cNvPicPr>
+            <a:picLocks noChangeAspect="1" noChangeArrowheads="1"/>
+          </p:cNvPicPr>
+          <p:nvPr/>
+        </p:nvPicPr>
+        <p:blipFill>
+          <a:blip r:embed="rId3" cstate="print">
+            <a:extLst>
+              <a:ext uri="{28A0092B-C50C-407E-A947-70E740481C1C}">
+                <a14:useLocalDpi xmlns:a14="http://schemas.microsoft.com/office/drawing/2010/main" val="0"/>
+              </a:ext>
+            </a:extLst>
+          </a:blip>
+          <a:srcRect/>
+          <a:stretch>
+            <a:fillRect/>
+          </a:stretch>
+        </p:blipFill>
+        <p:spPr bwMode="auto">
+          <a:xfrm>
+            <a:off x="9806081" y="5583237"/>
+            <a:ext cx="2385919" cy="1274763"/>
+          </a:xfrm>
+          <a:prstGeom prst="rect">
+            <a:avLst/>
+          </a:prstGeom>
+          <a:noFill/>
+          <a:extLst>
+            <a:ext uri="{909E8E84-426E-40DD-AFC4-6F175D3DCCD1}">
+              <a14:hiddenFill xmlns:a14="http://schemas.microsoft.com/office/drawing/2010/main">
+                <a:solidFill>
+                  <a:srgbClr val="FFFFFF"/>
+                </a:solidFill>
+              </a14:hiddenFill>
+            </a:ext>
+          </a:extLst>
+        </p:spPr>
+      </p:pic>
     </p:spTree>
     <p:extLst>
       <p:ext uri="{BB962C8B-B14F-4D97-AF65-F5344CB8AC3E}">
@@ -3739,6 +3878,726 @@
   <p:clrMapOvr>
     <a:masterClrMapping/>
   </p:clrMapOvr>
+  <p:timing>
+    <p:tnLst>
+      <p:par>
+        <p:cTn id="1" dur="indefinite" restart="never" nodeType="tmRoot"/>
+      </p:par>
+    </p:tnLst>
+  </p:timing>
+</p:sld>
+</file>
+
+<file path=ppt/slides/slide4.xml><?xml version="1.0" encoding="utf-8"?>
+<p:sld xmlns:a="http://schemas.openxmlformats.org/drawingml/2006/main" xmlns:r="http://schemas.openxmlformats.org/officeDocument/2006/relationships" xmlns:p="http://schemas.openxmlformats.org/presentationml/2006/main">
+  <p:cSld>
+    <p:spTree>
+      <p:nvGrpSpPr>
+        <p:cNvPr id="1" name=""/>
+        <p:cNvGrpSpPr/>
+        <p:nvPr/>
+      </p:nvGrpSpPr>
+      <p:grpSpPr>
+        <a:xfrm>
+          <a:off x="0" y="0"/>
+          <a:ext cx="0" cy="0"/>
+          <a:chOff x="0" y="0"/>
+          <a:chExt cx="0" cy="0"/>
+        </a:xfrm>
+      </p:grpSpPr>
+      <p:sp>
+        <p:nvSpPr>
+          <p:cNvPr id="2" name="Title 1"/>
+          <p:cNvSpPr>
+            <a:spLocks noGrp="1"/>
+          </p:cNvSpPr>
+          <p:nvPr>
+            <p:ph type="ctrTitle"/>
+          </p:nvPr>
+        </p:nvSpPr>
+        <p:spPr>
+          <a:xfrm>
+            <a:off x="1524000" y="1"/>
+            <a:ext cx="9144000" cy="914399"/>
+          </a:xfrm>
+        </p:spPr>
+        <p:txBody>
+          <a:bodyPr>
+            <a:normAutofit fontScale="90000"/>
+          </a:bodyPr>
+          <a:lstStyle/>
+          <a:p>
+            <a:r>
+              <a:rPr lang="en-US" smtClean="0">
+                <a:latin typeface="Times New Roman" panose="02020603050405020304" pitchFamily="18" charset="0"/>
+                <a:cs typeface="Times New Roman" panose="02020603050405020304" pitchFamily="18" charset="0"/>
+              </a:rPr>
+              <a:t>IBM Private Cloud</a:t>
+            </a:r>
+            <a:endParaRPr lang="en-US">
+              <a:latin typeface="Times New Roman" panose="02020603050405020304" pitchFamily="18" charset="0"/>
+              <a:cs typeface="Times New Roman" panose="02020603050405020304" pitchFamily="18" charset="0"/>
+            </a:endParaRPr>
+          </a:p>
+        </p:txBody>
+      </p:sp>
+      <p:sp>
+        <p:nvSpPr>
+          <p:cNvPr id="3" name="Subtitle 2"/>
+          <p:cNvSpPr>
+            <a:spLocks noGrp="1"/>
+          </p:cNvSpPr>
+          <p:nvPr>
+            <p:ph type="subTitle" idx="1"/>
+          </p:nvPr>
+        </p:nvSpPr>
+        <p:spPr>
+          <a:xfrm>
+            <a:off x="0" y="2099257"/>
+            <a:ext cx="12192000" cy="4758744"/>
+          </a:xfrm>
+        </p:spPr>
+        <p:txBody>
+          <a:bodyPr>
+            <a:normAutofit/>
+          </a:bodyPr>
+          <a:lstStyle/>
+          <a:p>
+            <a:pPr marL="342900" indent="-342900" algn="l">
+              <a:buFont typeface="Arial" panose="020B0604020202020204" pitchFamily="34" charset="0"/>
+              <a:buChar char="•"/>
+            </a:pPr>
+            <a:r>
+              <a:rPr lang="en-US" smtClean="0">
+                <a:latin typeface="Times New Roman" panose="02020603050405020304" pitchFamily="18" charset="0"/>
+                <a:cs typeface="Times New Roman" panose="02020603050405020304" pitchFamily="18" charset="0"/>
+              </a:rPr>
+              <a:t>A unified installer.</a:t>
+            </a:r>
+          </a:p>
+          <a:p>
+            <a:pPr marL="342900" indent="-342900" algn="l">
+              <a:buFont typeface="Arial" panose="020B0604020202020204" pitchFamily="34" charset="0"/>
+              <a:buChar char="•"/>
+            </a:pPr>
+            <a:r>
+              <a:rPr lang="en-US" smtClean="0">
+                <a:latin typeface="Times New Roman" panose="02020603050405020304" pitchFamily="18" charset="0"/>
+                <a:cs typeface="Times New Roman" panose="02020603050405020304" pitchFamily="18" charset="0"/>
+              </a:rPr>
+              <a:t>IBM Cloud Private cluster management console.</a:t>
+            </a:r>
+          </a:p>
+          <a:p>
+            <a:pPr marL="342900" indent="-342900" algn="l">
+              <a:buFont typeface="Arial" panose="020B0604020202020204" pitchFamily="34" charset="0"/>
+              <a:buChar char="•"/>
+            </a:pPr>
+            <a:r>
+              <a:rPr lang="en-US" smtClean="0">
+                <a:latin typeface="Times New Roman" panose="02020603050405020304" pitchFamily="18" charset="0"/>
+                <a:cs typeface="Times New Roman" panose="02020603050405020304" pitchFamily="18" charset="0"/>
+              </a:rPr>
+              <a:t>Private Docker image registry.</a:t>
+            </a:r>
+          </a:p>
+          <a:p>
+            <a:pPr marL="342900" indent="-342900" algn="l">
+              <a:buFont typeface="Arial" panose="020B0604020202020204" pitchFamily="34" charset="0"/>
+              <a:buChar char="•"/>
+            </a:pPr>
+            <a:r>
+              <a:rPr lang="en-US" smtClean="0">
+                <a:latin typeface="Times New Roman" panose="02020603050405020304" pitchFamily="18" charset="0"/>
+                <a:cs typeface="Times New Roman" panose="02020603050405020304" pitchFamily="18" charset="0"/>
+              </a:rPr>
+              <a:t>Catalog.</a:t>
+            </a:r>
+          </a:p>
+          <a:p>
+            <a:pPr marL="342900" indent="-342900" algn="l">
+              <a:buFont typeface="Arial" panose="020B0604020202020204" pitchFamily="34" charset="0"/>
+              <a:buChar char="•"/>
+            </a:pPr>
+            <a:r>
+              <a:rPr lang="en-US" smtClean="0">
+                <a:latin typeface="Times New Roman" panose="02020603050405020304" pitchFamily="18" charset="0"/>
+                <a:cs typeface="Times New Roman" panose="02020603050405020304" pitchFamily="18" charset="0"/>
+              </a:rPr>
+              <a:t>Isolated Tenant Networks.</a:t>
+            </a:r>
+          </a:p>
+          <a:p>
+            <a:pPr marL="342900" indent="-342900" algn="l">
+              <a:buFont typeface="Arial" panose="020B0604020202020204" pitchFamily="34" charset="0"/>
+              <a:buChar char="•"/>
+            </a:pPr>
+            <a:r>
+              <a:rPr lang="en-US" smtClean="0">
+                <a:latin typeface="Times New Roman" panose="02020603050405020304" pitchFamily="18" charset="0"/>
+                <a:cs typeface="Times New Roman" panose="02020603050405020304" pitchFamily="18" charset="0"/>
+              </a:rPr>
+              <a:t>Robust monitoring and logging with ELK stack.</a:t>
+            </a:r>
+          </a:p>
+        </p:txBody>
+      </p:sp>
+      <p:sp>
+        <p:nvSpPr>
+          <p:cNvPr id="4" name="AutoShape 2" descr="Káº¿t quáº£ hÃ¬nh áº£nh cho ibm cloud private"/>
+          <p:cNvSpPr>
+            <a:spLocks noChangeAspect="1" noChangeArrowheads="1"/>
+          </p:cNvSpPr>
+          <p:nvPr/>
+        </p:nvSpPr>
+        <p:spPr bwMode="auto">
+          <a:xfrm>
+            <a:off x="155575" y="-144463"/>
+            <a:ext cx="304800" cy="304801"/>
+          </a:xfrm>
+          <a:prstGeom prst="rect">
+            <a:avLst/>
+          </a:prstGeom>
+          <a:noFill/>
+          <a:extLst>
+            <a:ext uri="{909E8E84-426E-40DD-AFC4-6F175D3DCCD1}">
+              <a14:hiddenFill xmlns:a14="http://schemas.microsoft.com/office/drawing/2010/main">
+                <a:solidFill>
+                  <a:srgbClr val="FFFFFF"/>
+                </a:solidFill>
+              </a14:hiddenFill>
+            </a:ext>
+          </a:extLst>
+        </p:spPr>
+        <p:txBody>
+          <a:bodyPr vert="horz" wrap="square" lIns="91440" tIns="45720" rIns="91440" bIns="45720" numCol="1" anchor="t" anchorCtr="0" compatLnSpc="1">
+            <a:prstTxWarp prst="textNoShape">
+              <a:avLst/>
+            </a:prstTxWarp>
+          </a:bodyPr>
+          <a:lstStyle/>
+          <a:p>
+            <a:endParaRPr lang="en-US"/>
+          </a:p>
+        </p:txBody>
+      </p:sp>
+      <p:pic>
+        <p:nvPicPr>
+          <p:cNvPr id="1028" name="Picture 4" descr="Káº¿t quáº£ hÃ¬nh áº£nh cho ibm cloud private"/>
+          <p:cNvPicPr>
+            <a:picLocks noChangeAspect="1" noChangeArrowheads="1"/>
+          </p:cNvPicPr>
+          <p:nvPr/>
+        </p:nvPicPr>
+        <p:blipFill>
+          <a:blip r:embed="rId2" cstate="print">
+            <a:extLst>
+              <a:ext uri="{28A0092B-C50C-407E-A947-70E740481C1C}">
+                <a14:useLocalDpi xmlns:a14="http://schemas.microsoft.com/office/drawing/2010/main" val="0"/>
+              </a:ext>
+            </a:extLst>
+          </a:blip>
+          <a:srcRect/>
+          <a:stretch>
+            <a:fillRect/>
+          </a:stretch>
+        </p:blipFill>
+        <p:spPr bwMode="auto">
+          <a:xfrm>
+            <a:off x="0" y="0"/>
+            <a:ext cx="1524000" cy="1605852"/>
+          </a:xfrm>
+          <a:prstGeom prst="rect">
+            <a:avLst/>
+          </a:prstGeom>
+          <a:noFill/>
+          <a:extLst>
+            <a:ext uri="{909E8E84-426E-40DD-AFC4-6F175D3DCCD1}">
+              <a14:hiddenFill xmlns:a14="http://schemas.microsoft.com/office/drawing/2010/main">
+                <a:solidFill>
+                  <a:srgbClr val="FFFFFF"/>
+                </a:solidFill>
+              </a14:hiddenFill>
+            </a:ext>
+          </a:extLst>
+        </p:spPr>
+      </p:pic>
+      <p:sp>
+        <p:nvSpPr>
+          <p:cNvPr id="6" name="Title 1"/>
+          <p:cNvSpPr txBox="1">
+            <a:spLocks/>
+          </p:cNvSpPr>
+          <p:nvPr/>
+        </p:nvSpPr>
+        <p:spPr>
+          <a:xfrm>
+            <a:off x="1524000" y="914399"/>
+            <a:ext cx="10668000" cy="691453"/>
+          </a:xfrm>
+          <a:prstGeom prst="rect">
+            <a:avLst/>
+          </a:prstGeom>
+        </p:spPr>
+        <p:txBody>
+          <a:bodyPr vert="horz" lIns="91440" tIns="45720" rIns="91440" bIns="45720" rtlCol="0" anchor="b">
+            <a:normAutofit fontScale="97500"/>
+          </a:bodyPr>
+          <a:lstStyle>
+            <a:lvl1pPr algn="ctr" defTabSz="914400" rtl="0" eaLnBrk="1" latinLnBrk="0" hangingPunct="1">
+              <a:lnSpc>
+                <a:spcPct val="90000"/>
+              </a:lnSpc>
+              <a:spcBef>
+                <a:spcPct val="0"/>
+              </a:spcBef>
+              <a:buNone/>
+              <a:defRPr sz="6000" kern="1200">
+                <a:solidFill>
+                  <a:schemeClr val="tx1"/>
+                </a:solidFill>
+                <a:latin typeface="+mj-lt"/>
+                <a:ea typeface="+mj-ea"/>
+                <a:cs typeface="+mj-cs"/>
+              </a:defRPr>
+            </a:lvl1pPr>
+          </a:lstStyle>
+          <a:p>
+            <a:pPr algn="l"/>
+            <a:r>
+              <a:rPr lang="en-US" sz="4000" smtClean="0">
+                <a:latin typeface="Times New Roman" panose="02020603050405020304" pitchFamily="18" charset="0"/>
+                <a:cs typeface="Times New Roman" panose="02020603050405020304" pitchFamily="18" charset="0"/>
+              </a:rPr>
+              <a:t>2. Features</a:t>
+            </a:r>
+            <a:endParaRPr lang="en-US" sz="4000">
+              <a:latin typeface="Times New Roman" panose="02020603050405020304" pitchFamily="18" charset="0"/>
+              <a:cs typeface="Times New Roman" panose="02020603050405020304" pitchFamily="18" charset="0"/>
+            </a:endParaRPr>
+          </a:p>
+        </p:txBody>
+      </p:sp>
+      <p:pic>
+        <p:nvPicPr>
+          <p:cNvPr id="7" name="Picture 6" descr="Káº¿t quáº£ hÃ¬nh áº£nh cho ibm cloud private"/>
+          <p:cNvPicPr>
+            <a:picLocks noChangeAspect="1" noChangeArrowheads="1"/>
+          </p:cNvPicPr>
+          <p:nvPr/>
+        </p:nvPicPr>
+        <p:blipFill>
+          <a:blip r:embed="rId3" cstate="print">
+            <a:extLst>
+              <a:ext uri="{28A0092B-C50C-407E-A947-70E740481C1C}">
+                <a14:useLocalDpi xmlns:a14="http://schemas.microsoft.com/office/drawing/2010/main" val="0"/>
+              </a:ext>
+            </a:extLst>
+          </a:blip>
+          <a:srcRect/>
+          <a:stretch>
+            <a:fillRect/>
+          </a:stretch>
+        </p:blipFill>
+        <p:spPr bwMode="auto">
+          <a:xfrm>
+            <a:off x="9806081" y="5583237"/>
+            <a:ext cx="2385919" cy="1274763"/>
+          </a:xfrm>
+          <a:prstGeom prst="rect">
+            <a:avLst/>
+          </a:prstGeom>
+          <a:noFill/>
+          <a:extLst>
+            <a:ext uri="{909E8E84-426E-40DD-AFC4-6F175D3DCCD1}">
+              <a14:hiddenFill xmlns:a14="http://schemas.microsoft.com/office/drawing/2010/main">
+                <a:solidFill>
+                  <a:srgbClr val="FFFFFF"/>
+                </a:solidFill>
+              </a14:hiddenFill>
+            </a:ext>
+          </a:extLst>
+        </p:spPr>
+      </p:pic>
+    </p:spTree>
+    <p:extLst>
+      <p:ext uri="{BB962C8B-B14F-4D97-AF65-F5344CB8AC3E}">
+        <p14:creationId xmlns:p14="http://schemas.microsoft.com/office/powerpoint/2010/main" val="2941388773"/>
+      </p:ext>
+    </p:extLst>
+  </p:cSld>
+  <p:clrMapOvr>
+    <a:masterClrMapping/>
+  </p:clrMapOvr>
+  <p:timing>
+    <p:tnLst>
+      <p:par>
+        <p:cTn id="1" dur="indefinite" restart="never" nodeType="tmRoot"/>
+      </p:par>
+    </p:tnLst>
+  </p:timing>
+</p:sld>
+</file>
+
+<file path=ppt/slides/slide5.xml><?xml version="1.0" encoding="utf-8"?>
+<p:sld xmlns:a="http://schemas.openxmlformats.org/drawingml/2006/main" xmlns:r="http://schemas.openxmlformats.org/officeDocument/2006/relationships" xmlns:p="http://schemas.openxmlformats.org/presentationml/2006/main">
+  <p:cSld>
+    <p:spTree>
+      <p:nvGrpSpPr>
+        <p:cNvPr id="1" name=""/>
+        <p:cNvGrpSpPr/>
+        <p:nvPr/>
+      </p:nvGrpSpPr>
+      <p:grpSpPr>
+        <a:xfrm>
+          <a:off x="0" y="0"/>
+          <a:ext cx="0" cy="0"/>
+          <a:chOff x="0" y="0"/>
+          <a:chExt cx="0" cy="0"/>
+        </a:xfrm>
+      </p:grpSpPr>
+      <p:sp>
+        <p:nvSpPr>
+          <p:cNvPr id="2" name="Title 1"/>
+          <p:cNvSpPr>
+            <a:spLocks noGrp="1"/>
+          </p:cNvSpPr>
+          <p:nvPr>
+            <p:ph type="ctrTitle"/>
+          </p:nvPr>
+        </p:nvSpPr>
+        <p:spPr>
+          <a:xfrm>
+            <a:off x="1524000" y="1"/>
+            <a:ext cx="9144000" cy="914399"/>
+          </a:xfrm>
+        </p:spPr>
+        <p:txBody>
+          <a:bodyPr>
+            <a:normAutofit fontScale="90000"/>
+          </a:bodyPr>
+          <a:lstStyle/>
+          <a:p>
+            <a:r>
+              <a:rPr lang="en-US" smtClean="0">
+                <a:latin typeface="Times New Roman" panose="02020603050405020304" pitchFamily="18" charset="0"/>
+                <a:cs typeface="Times New Roman" panose="02020603050405020304" pitchFamily="18" charset="0"/>
+              </a:rPr>
+              <a:t>IBM Private Cloud</a:t>
+            </a:r>
+            <a:endParaRPr lang="en-US">
+              <a:latin typeface="Times New Roman" panose="02020603050405020304" pitchFamily="18" charset="0"/>
+              <a:cs typeface="Times New Roman" panose="02020603050405020304" pitchFamily="18" charset="0"/>
+            </a:endParaRPr>
+          </a:p>
+        </p:txBody>
+      </p:sp>
+      <p:sp>
+        <p:nvSpPr>
+          <p:cNvPr id="3" name="Subtitle 2"/>
+          <p:cNvSpPr>
+            <a:spLocks noGrp="1"/>
+          </p:cNvSpPr>
+          <p:nvPr>
+            <p:ph type="subTitle" idx="1"/>
+          </p:nvPr>
+        </p:nvSpPr>
+        <p:spPr>
+          <a:xfrm>
+            <a:off x="0" y="2099257"/>
+            <a:ext cx="12192000" cy="4758744"/>
+          </a:xfrm>
+        </p:spPr>
+        <p:txBody>
+          <a:bodyPr>
+            <a:normAutofit/>
+          </a:bodyPr>
+          <a:lstStyle/>
+          <a:p>
+            <a:pPr algn="l"/>
+            <a:r>
+              <a:rPr lang="en-US">
+                <a:latin typeface="Times New Roman" panose="02020603050405020304" pitchFamily="18" charset="0"/>
+                <a:cs typeface="Times New Roman" panose="02020603050405020304" pitchFamily="18" charset="0"/>
+              </a:rPr>
+              <a:t>An IBM Cloud Private cluster has four main classes of </a:t>
+            </a:r>
+            <a:r>
+              <a:rPr lang="en-US">
+                <a:latin typeface="Times New Roman" panose="02020603050405020304" pitchFamily="18" charset="0"/>
+                <a:cs typeface="Times New Roman" panose="02020603050405020304" pitchFamily="18" charset="0"/>
+              </a:rPr>
+              <a:t>nodes</a:t>
+            </a:r>
+            <a:r>
+              <a:rPr lang="en-US" smtClean="0">
+                <a:latin typeface="Times New Roman" panose="02020603050405020304" pitchFamily="18" charset="0"/>
+                <a:cs typeface="Times New Roman" panose="02020603050405020304" pitchFamily="18" charset="0"/>
+              </a:rPr>
+              <a:t>:</a:t>
+            </a:r>
+          </a:p>
+          <a:p>
+            <a:pPr marL="342900" indent="-342900" algn="l">
+              <a:buFont typeface="Arial" panose="020B0604020202020204" pitchFamily="34" charset="0"/>
+              <a:buChar char="•"/>
+            </a:pPr>
+            <a:r>
+              <a:rPr lang="en-US" smtClean="0">
+                <a:latin typeface="Times New Roman" panose="02020603050405020304" pitchFamily="18" charset="0"/>
+                <a:cs typeface="Times New Roman" panose="02020603050405020304" pitchFamily="18" charset="0"/>
+              </a:rPr>
+              <a:t>Boot node.</a:t>
+            </a:r>
+          </a:p>
+          <a:p>
+            <a:pPr marL="342900" indent="-342900" algn="l">
+              <a:buFont typeface="Arial" panose="020B0604020202020204" pitchFamily="34" charset="0"/>
+              <a:buChar char="•"/>
+            </a:pPr>
+            <a:r>
+              <a:rPr lang="en-US" smtClean="0">
+                <a:latin typeface="Times New Roman" panose="02020603050405020304" pitchFamily="18" charset="0"/>
+                <a:cs typeface="Times New Roman" panose="02020603050405020304" pitchFamily="18" charset="0"/>
+              </a:rPr>
+              <a:t>Master node.</a:t>
+            </a:r>
+          </a:p>
+          <a:p>
+            <a:pPr marL="342900" indent="-342900" algn="l">
+              <a:buFont typeface="Arial" panose="020B0604020202020204" pitchFamily="34" charset="0"/>
+              <a:buChar char="•"/>
+            </a:pPr>
+            <a:r>
+              <a:rPr lang="en-US" smtClean="0">
+                <a:latin typeface="Times New Roman" panose="02020603050405020304" pitchFamily="18" charset="0"/>
+                <a:cs typeface="Times New Roman" panose="02020603050405020304" pitchFamily="18" charset="0"/>
+              </a:rPr>
+              <a:t>Worker node.</a:t>
+            </a:r>
+          </a:p>
+          <a:p>
+            <a:pPr marL="342900" indent="-342900" algn="l">
+              <a:buFont typeface="Arial" panose="020B0604020202020204" pitchFamily="34" charset="0"/>
+              <a:buChar char="•"/>
+            </a:pPr>
+            <a:r>
+              <a:rPr lang="en-US" smtClean="0">
+                <a:latin typeface="Times New Roman" panose="02020603050405020304" pitchFamily="18" charset="0"/>
+                <a:cs typeface="Times New Roman" panose="02020603050405020304" pitchFamily="18" charset="0"/>
+              </a:rPr>
+              <a:t>Proxy Node.</a:t>
+            </a:r>
+          </a:p>
+          <a:p>
+            <a:pPr marL="342900" indent="-342900" algn="l">
+              <a:buFont typeface="Arial" panose="020B0604020202020204" pitchFamily="34" charset="0"/>
+              <a:buChar char="•"/>
+            </a:pPr>
+            <a:r>
+              <a:rPr lang="en-US" smtClean="0">
+                <a:latin typeface="Times New Roman" panose="02020603050405020304" pitchFamily="18" charset="0"/>
+                <a:cs typeface="Times New Roman" panose="02020603050405020304" pitchFamily="18" charset="0"/>
+              </a:rPr>
+              <a:t>Management Node.</a:t>
+            </a:r>
+          </a:p>
+        </p:txBody>
+      </p:sp>
+      <p:sp>
+        <p:nvSpPr>
+          <p:cNvPr id="4" name="AutoShape 2" descr="Káº¿t quáº£ hÃ¬nh áº£nh cho ibm cloud private"/>
+          <p:cNvSpPr>
+            <a:spLocks noChangeAspect="1" noChangeArrowheads="1"/>
+          </p:cNvSpPr>
+          <p:nvPr/>
+        </p:nvSpPr>
+        <p:spPr bwMode="auto">
+          <a:xfrm>
+            <a:off x="155575" y="-144463"/>
+            <a:ext cx="304800" cy="304801"/>
+          </a:xfrm>
+          <a:prstGeom prst="rect">
+            <a:avLst/>
+          </a:prstGeom>
+          <a:noFill/>
+          <a:extLst>
+            <a:ext uri="{909E8E84-426E-40DD-AFC4-6F175D3DCCD1}">
+              <a14:hiddenFill xmlns:a14="http://schemas.microsoft.com/office/drawing/2010/main">
+                <a:solidFill>
+                  <a:srgbClr val="FFFFFF"/>
+                </a:solidFill>
+              </a14:hiddenFill>
+            </a:ext>
+          </a:extLst>
+        </p:spPr>
+        <p:txBody>
+          <a:bodyPr vert="horz" wrap="square" lIns="91440" tIns="45720" rIns="91440" bIns="45720" numCol="1" anchor="t" anchorCtr="0" compatLnSpc="1">
+            <a:prstTxWarp prst="textNoShape">
+              <a:avLst/>
+            </a:prstTxWarp>
+          </a:bodyPr>
+          <a:lstStyle/>
+          <a:p>
+            <a:endParaRPr lang="en-US"/>
+          </a:p>
+        </p:txBody>
+      </p:sp>
+      <p:pic>
+        <p:nvPicPr>
+          <p:cNvPr id="1028" name="Picture 4" descr="Káº¿t quáº£ hÃ¬nh áº£nh cho ibm cloud private"/>
+          <p:cNvPicPr>
+            <a:picLocks noChangeAspect="1" noChangeArrowheads="1"/>
+          </p:cNvPicPr>
+          <p:nvPr/>
+        </p:nvPicPr>
+        <p:blipFill>
+          <a:blip r:embed="rId2" cstate="print">
+            <a:extLst>
+              <a:ext uri="{28A0092B-C50C-407E-A947-70E740481C1C}">
+                <a14:useLocalDpi xmlns:a14="http://schemas.microsoft.com/office/drawing/2010/main" val="0"/>
+              </a:ext>
+            </a:extLst>
+          </a:blip>
+          <a:srcRect/>
+          <a:stretch>
+            <a:fillRect/>
+          </a:stretch>
+        </p:blipFill>
+        <p:spPr bwMode="auto">
+          <a:xfrm>
+            <a:off x="0" y="0"/>
+            <a:ext cx="1524000" cy="1605852"/>
+          </a:xfrm>
+          <a:prstGeom prst="rect">
+            <a:avLst/>
+          </a:prstGeom>
+          <a:noFill/>
+          <a:extLst>
+            <a:ext uri="{909E8E84-426E-40DD-AFC4-6F175D3DCCD1}">
+              <a14:hiddenFill xmlns:a14="http://schemas.microsoft.com/office/drawing/2010/main">
+                <a:solidFill>
+                  <a:srgbClr val="FFFFFF"/>
+                </a:solidFill>
+              </a14:hiddenFill>
+            </a:ext>
+          </a:extLst>
+        </p:spPr>
+      </p:pic>
+      <p:sp>
+        <p:nvSpPr>
+          <p:cNvPr id="6" name="Title 1"/>
+          <p:cNvSpPr txBox="1">
+            <a:spLocks/>
+          </p:cNvSpPr>
+          <p:nvPr/>
+        </p:nvSpPr>
+        <p:spPr>
+          <a:xfrm>
+            <a:off x="1524000" y="914399"/>
+            <a:ext cx="10668000" cy="691453"/>
+          </a:xfrm>
+          <a:prstGeom prst="rect">
+            <a:avLst/>
+          </a:prstGeom>
+        </p:spPr>
+        <p:txBody>
+          <a:bodyPr vert="horz" lIns="91440" tIns="45720" rIns="91440" bIns="45720" rtlCol="0" anchor="b">
+            <a:normAutofit fontScale="97500"/>
+          </a:bodyPr>
+          <a:lstStyle>
+            <a:lvl1pPr algn="ctr" defTabSz="914400" rtl="0" eaLnBrk="1" latinLnBrk="0" hangingPunct="1">
+              <a:lnSpc>
+                <a:spcPct val="90000"/>
+              </a:lnSpc>
+              <a:spcBef>
+                <a:spcPct val="0"/>
+              </a:spcBef>
+              <a:buNone/>
+              <a:defRPr sz="6000" kern="1200">
+                <a:solidFill>
+                  <a:schemeClr val="tx1"/>
+                </a:solidFill>
+                <a:latin typeface="+mj-lt"/>
+                <a:ea typeface="+mj-ea"/>
+                <a:cs typeface="+mj-cs"/>
+              </a:defRPr>
+            </a:lvl1pPr>
+          </a:lstStyle>
+          <a:p>
+            <a:pPr algn="l"/>
+            <a:r>
+              <a:rPr lang="en-US" sz="4000" smtClean="0">
+                <a:latin typeface="Times New Roman" panose="02020603050405020304" pitchFamily="18" charset="0"/>
+                <a:cs typeface="Times New Roman" panose="02020603050405020304" pitchFamily="18" charset="0"/>
+              </a:rPr>
+              <a:t>3. Architecture</a:t>
+            </a:r>
+            <a:endParaRPr lang="en-US" sz="4000">
+              <a:latin typeface="Times New Roman" panose="02020603050405020304" pitchFamily="18" charset="0"/>
+              <a:cs typeface="Times New Roman" panose="02020603050405020304" pitchFamily="18" charset="0"/>
+            </a:endParaRPr>
+          </a:p>
+        </p:txBody>
+      </p:sp>
+      <p:pic>
+        <p:nvPicPr>
+          <p:cNvPr id="7" name="Picture 6" descr="Káº¿t quáº£ hÃ¬nh áº£nh cho ibm cloud private"/>
+          <p:cNvPicPr>
+            <a:picLocks noChangeAspect="1" noChangeArrowheads="1"/>
+          </p:cNvPicPr>
+          <p:nvPr/>
+        </p:nvPicPr>
+        <p:blipFill>
+          <a:blip r:embed="rId3" cstate="print">
+            <a:extLst>
+              <a:ext uri="{28A0092B-C50C-407E-A947-70E740481C1C}">
+                <a14:useLocalDpi xmlns:a14="http://schemas.microsoft.com/office/drawing/2010/main" val="0"/>
+              </a:ext>
+            </a:extLst>
+          </a:blip>
+          <a:srcRect/>
+          <a:stretch>
+            <a:fillRect/>
+          </a:stretch>
+        </p:blipFill>
+        <p:spPr bwMode="auto">
+          <a:xfrm>
+            <a:off x="9806081" y="5583237"/>
+            <a:ext cx="2385919" cy="1274763"/>
+          </a:xfrm>
+          <a:prstGeom prst="rect">
+            <a:avLst/>
+          </a:prstGeom>
+          <a:noFill/>
+          <a:extLst>
+            <a:ext uri="{909E8E84-426E-40DD-AFC4-6F175D3DCCD1}">
+              <a14:hiddenFill xmlns:a14="http://schemas.microsoft.com/office/drawing/2010/main">
+                <a:solidFill>
+                  <a:srgbClr val="FFFFFF"/>
+                </a:solidFill>
+              </a14:hiddenFill>
+            </a:ext>
+          </a:extLst>
+        </p:spPr>
+      </p:pic>
+    </p:spTree>
+    <p:extLst>
+      <p:ext uri="{BB962C8B-B14F-4D97-AF65-F5344CB8AC3E}">
+        <p14:creationId xmlns:p14="http://schemas.microsoft.com/office/powerpoint/2010/main" val="328758279"/>
+      </p:ext>
+    </p:extLst>
+  </p:cSld>
+  <p:clrMapOvr>
+    <a:masterClrMapping/>
+  </p:clrMapOvr>
+  <p:timing>
+    <p:tnLst>
+      <p:par>
+        <p:cTn id="1" dur="indefinite" restart="never" nodeType="tmRoot"/>
+      </p:par>
+    </p:tnLst>
+  </p:timing>
 </p:sld>
 </file>
 

--- a/IBM Private Cloud.pptx
+++ b/IBM Private Cloud.pptx
@@ -10,6 +10,7 @@
     <p:sldId id="258" r:id="rId4"/>
     <p:sldId id="259" r:id="rId5"/>
     <p:sldId id="260" r:id="rId6"/>
+    <p:sldId id="261" r:id="rId7"/>
   </p:sldIdLst>
   <p:sldSz cx="12192000" cy="6858000"/>
   <p:notesSz cx="6858000" cy="9144000"/>
@@ -108,6 +109,11 @@
       </a:defRPr>
     </a:lvl9pPr>
   </p:defaultTextStyle>
+  <p:extLst>
+    <p:ext uri="{EFAFB233-063F-42B5-8137-9DF3F51BA10A}">
+      <p15:sldGuideLst xmlns:p15="http://schemas.microsoft.com/office/powerpoint/2012/main"/>
+    </p:ext>
+  </p:extLst>
 </p:presentation>
 </file>
 
@@ -3972,8 +3978,19 @@
                 <a:latin typeface="Times New Roman" panose="02020603050405020304" pitchFamily="18" charset="0"/>
                 <a:cs typeface="Times New Roman" panose="02020603050405020304" pitchFamily="18" charset="0"/>
               </a:rPr>
-              <a:t>A unified installer.</a:t>
-            </a:r>
+              <a:t>A unified </a:t>
+            </a:r>
+            <a:r>
+              <a:rPr lang="en-US" smtClean="0">
+                <a:latin typeface="Times New Roman" panose="02020603050405020304" pitchFamily="18" charset="0"/>
+                <a:cs typeface="Times New Roman" panose="02020603050405020304" pitchFamily="18" charset="0"/>
+              </a:rPr>
+              <a:t>installer: Rapidly deploy your cluster </a:t>
+            </a:r>
+            <a:endParaRPr lang="en-US" smtClean="0">
+              <a:latin typeface="Times New Roman" panose="02020603050405020304" pitchFamily="18" charset="0"/>
+              <a:cs typeface="Times New Roman" panose="02020603050405020304" pitchFamily="18" charset="0"/>
+            </a:endParaRPr>
           </a:p>
           <a:p>
             <a:pPr marL="342900" indent="-342900" algn="l">
@@ -3985,8 +4002,19 @@
                 <a:latin typeface="Times New Roman" panose="02020603050405020304" pitchFamily="18" charset="0"/>
                 <a:cs typeface="Times New Roman" panose="02020603050405020304" pitchFamily="18" charset="0"/>
               </a:rPr>
-              <a:t>IBM Cloud Private cluster management console.</a:t>
-            </a:r>
+              <a:t>IBM Cloud Private cluster management </a:t>
+            </a:r>
+            <a:r>
+              <a:rPr lang="en-US" smtClean="0">
+                <a:latin typeface="Times New Roman" panose="02020603050405020304" pitchFamily="18" charset="0"/>
+                <a:cs typeface="Times New Roman" panose="02020603050405020304" pitchFamily="18" charset="0"/>
+              </a:rPr>
+              <a:t>console: manage, monitor, troubleshoot</a:t>
+            </a:r>
+            <a:endParaRPr lang="en-US" smtClean="0">
+              <a:latin typeface="Times New Roman" panose="02020603050405020304" pitchFamily="18" charset="0"/>
+              <a:cs typeface="Times New Roman" panose="02020603050405020304" pitchFamily="18" charset="0"/>
+            </a:endParaRPr>
           </a:p>
           <a:p>
             <a:pPr marL="342900" indent="-342900" algn="l">
@@ -4011,8 +4039,33 @@
                 <a:latin typeface="Times New Roman" panose="02020603050405020304" pitchFamily="18" charset="0"/>
                 <a:cs typeface="Times New Roman" panose="02020603050405020304" pitchFamily="18" charset="0"/>
               </a:rPr>
-              <a:t>Catalog.</a:t>
-            </a:r>
+              <a:t>Catalog with Helm: </a:t>
+            </a:r>
+            <a:r>
+              <a:rPr lang="en-US" smtClean="0">
+                <a:latin typeface="Times New Roman" panose="02020603050405020304" pitchFamily="18" charset="0"/>
+                <a:cs typeface="Times New Roman" panose="02020603050405020304" pitchFamily="18" charset="0"/>
+              </a:rPr>
+              <a:t>https</a:t>
+            </a:r>
+            <a:r>
+              <a:rPr lang="en-US">
+                <a:latin typeface="Times New Roman" panose="02020603050405020304" pitchFamily="18" charset="0"/>
+                <a:cs typeface="Times New Roman" panose="02020603050405020304" pitchFamily="18" charset="0"/>
+              </a:rPr>
+              <a:t>://</a:t>
+            </a:r>
+            <a:r>
+              <a:rPr lang="en-US" smtClean="0">
+                <a:latin typeface="Times New Roman" panose="02020603050405020304" pitchFamily="18" charset="0"/>
+                <a:cs typeface="Times New Roman" panose="02020603050405020304" pitchFamily="18" charset="0"/>
+              </a:rPr>
+              <a:t>github.com/kubernetes/charts/tree/master/stable.</a:t>
+            </a:r>
+            <a:endParaRPr lang="en-US" smtClean="0">
+              <a:latin typeface="Times New Roman" panose="02020603050405020304" pitchFamily="18" charset="0"/>
+              <a:cs typeface="Times New Roman" panose="02020603050405020304" pitchFamily="18" charset="0"/>
+            </a:endParaRPr>
           </a:p>
           <a:p>
             <a:pPr marL="342900" indent="-342900" algn="l">
@@ -4024,8 +4077,19 @@
                 <a:latin typeface="Times New Roman" panose="02020603050405020304" pitchFamily="18" charset="0"/>
                 <a:cs typeface="Times New Roman" panose="02020603050405020304" pitchFamily="18" charset="0"/>
               </a:rPr>
-              <a:t>Isolated Tenant Networks.</a:t>
-            </a:r>
+              <a:t>Isolated Tenant </a:t>
+            </a:r>
+            <a:r>
+              <a:rPr lang="en-US" smtClean="0">
+                <a:latin typeface="Times New Roman" panose="02020603050405020304" pitchFamily="18" charset="0"/>
+                <a:cs typeface="Times New Roman" panose="02020603050405020304" pitchFamily="18" charset="0"/>
+              </a:rPr>
+              <a:t>Networks with Calico: Virtual network and more.</a:t>
+            </a:r>
+            <a:endParaRPr lang="en-US" smtClean="0">
+              <a:latin typeface="Times New Roman" panose="02020603050405020304" pitchFamily="18" charset="0"/>
+              <a:cs typeface="Times New Roman" panose="02020603050405020304" pitchFamily="18" charset="0"/>
+            </a:endParaRPr>
           </a:p>
           <a:p>
             <a:pPr marL="342900" indent="-342900" algn="l">
@@ -4037,8 +4101,40 @@
                 <a:latin typeface="Times New Roman" panose="02020603050405020304" pitchFamily="18" charset="0"/>
                 <a:cs typeface="Times New Roman" panose="02020603050405020304" pitchFamily="18" charset="0"/>
               </a:rPr>
-              <a:t>Robust monitoring and logging with ELK stack.</a:t>
-            </a:r>
+              <a:t>Robust monitoring and logging with ELK </a:t>
+            </a:r>
+            <a:r>
+              <a:rPr lang="en-US">
+                <a:latin typeface="Times New Roman" panose="02020603050405020304" pitchFamily="18" charset="0"/>
+                <a:cs typeface="Times New Roman" panose="02020603050405020304" pitchFamily="18" charset="0"/>
+              </a:rPr>
+              <a:t>stack: Elasticsearch, Logstash, </a:t>
+            </a:r>
+            <a:r>
+              <a:rPr lang="en-US">
+                <a:latin typeface="Times New Roman" panose="02020603050405020304" pitchFamily="18" charset="0"/>
+                <a:cs typeface="Times New Roman" panose="02020603050405020304" pitchFamily="18" charset="0"/>
+              </a:rPr>
+              <a:t>Filebeat </a:t>
+            </a:r>
+            <a:r>
+              <a:rPr lang="en-US" smtClean="0">
+                <a:latin typeface="Times New Roman" panose="02020603050405020304" pitchFamily="18" charset="0"/>
+                <a:cs typeface="Times New Roman" panose="02020603050405020304" pitchFamily="18" charset="0"/>
+              </a:rPr>
+              <a:t>and </a:t>
+            </a:r>
+            <a:r>
+              <a:rPr lang="en-US">
+                <a:latin typeface="Times New Roman" panose="02020603050405020304" pitchFamily="18" charset="0"/>
+                <a:cs typeface="Times New Roman" panose="02020603050405020304" pitchFamily="18" charset="0"/>
+              </a:rPr>
+              <a:t>Heapster</a:t>
+            </a:r>
+            <a:endParaRPr lang="en-US" smtClean="0">
+              <a:latin typeface="Times New Roman" panose="02020603050405020304" pitchFamily="18" charset="0"/>
+              <a:cs typeface="Times New Roman" panose="02020603050405020304" pitchFamily="18" charset="0"/>
+            </a:endParaRPr>
           </a:p>
         </p:txBody>
       </p:sp>
@@ -4320,14 +4416,7 @@
                 <a:latin typeface="Times New Roman" panose="02020603050405020304" pitchFamily="18" charset="0"/>
                 <a:cs typeface="Times New Roman" panose="02020603050405020304" pitchFamily="18" charset="0"/>
               </a:rPr>
-              <a:t>An IBM Cloud Private cluster has four main classes of </a:t>
-            </a:r>
-            <a:r>
-              <a:rPr lang="en-US">
-                <a:latin typeface="Times New Roman" panose="02020603050405020304" pitchFamily="18" charset="0"/>
-                <a:cs typeface="Times New Roman" panose="02020603050405020304" pitchFamily="18" charset="0"/>
-              </a:rPr>
-              <a:t>nodes</a:t>
+              <a:t>An IBM Cloud Private cluster has four main classes of nodes</a:t>
             </a:r>
             <a:r>
               <a:rPr lang="en-US" smtClean="0">
@@ -4585,6 +4674,300 @@
     <p:extLst>
       <p:ext uri="{BB962C8B-B14F-4D97-AF65-F5344CB8AC3E}">
         <p14:creationId xmlns:p14="http://schemas.microsoft.com/office/powerpoint/2010/main" val="328758279"/>
+      </p:ext>
+    </p:extLst>
+  </p:cSld>
+  <p:clrMapOvr>
+    <a:masterClrMapping/>
+  </p:clrMapOvr>
+  <p:timing>
+    <p:tnLst>
+      <p:par>
+        <p:cTn id="1" dur="indefinite" restart="never" nodeType="tmRoot"/>
+      </p:par>
+    </p:tnLst>
+  </p:timing>
+</p:sld>
+</file>
+
+<file path=ppt/slides/slide6.xml><?xml version="1.0" encoding="utf-8"?>
+<p:sld xmlns:a="http://schemas.openxmlformats.org/drawingml/2006/main" xmlns:r="http://schemas.openxmlformats.org/officeDocument/2006/relationships" xmlns:p="http://schemas.openxmlformats.org/presentationml/2006/main">
+  <p:cSld>
+    <p:spTree>
+      <p:nvGrpSpPr>
+        <p:cNvPr id="1" name=""/>
+        <p:cNvGrpSpPr/>
+        <p:nvPr/>
+      </p:nvGrpSpPr>
+      <p:grpSpPr>
+        <a:xfrm>
+          <a:off x="0" y="0"/>
+          <a:ext cx="0" cy="0"/>
+          <a:chOff x="0" y="0"/>
+          <a:chExt cx="0" cy="0"/>
+        </a:xfrm>
+      </p:grpSpPr>
+      <p:sp>
+        <p:nvSpPr>
+          <p:cNvPr id="2" name="Title 1"/>
+          <p:cNvSpPr>
+            <a:spLocks noGrp="1"/>
+          </p:cNvSpPr>
+          <p:nvPr>
+            <p:ph type="ctrTitle"/>
+          </p:nvPr>
+        </p:nvSpPr>
+        <p:spPr>
+          <a:xfrm>
+            <a:off x="1524000" y="1"/>
+            <a:ext cx="9144000" cy="914399"/>
+          </a:xfrm>
+        </p:spPr>
+        <p:txBody>
+          <a:bodyPr>
+            <a:normAutofit fontScale="90000"/>
+          </a:bodyPr>
+          <a:lstStyle/>
+          <a:p>
+            <a:r>
+              <a:rPr lang="en-US" smtClean="0">
+                <a:latin typeface="Times New Roman" panose="02020603050405020304" pitchFamily="18" charset="0"/>
+                <a:cs typeface="Times New Roman" panose="02020603050405020304" pitchFamily="18" charset="0"/>
+              </a:rPr>
+              <a:t>IBM Private Cloud</a:t>
+            </a:r>
+            <a:endParaRPr lang="en-US">
+              <a:latin typeface="Times New Roman" panose="02020603050405020304" pitchFamily="18" charset="0"/>
+              <a:cs typeface="Times New Roman" panose="02020603050405020304" pitchFamily="18" charset="0"/>
+            </a:endParaRPr>
+          </a:p>
+        </p:txBody>
+      </p:sp>
+      <p:sp>
+        <p:nvSpPr>
+          <p:cNvPr id="3" name="Subtitle 2"/>
+          <p:cNvSpPr>
+            <a:spLocks noGrp="1"/>
+          </p:cNvSpPr>
+          <p:nvPr>
+            <p:ph type="subTitle" idx="1"/>
+          </p:nvPr>
+        </p:nvSpPr>
+        <p:spPr>
+          <a:xfrm>
+            <a:off x="0" y="2099257"/>
+            <a:ext cx="12192000" cy="4758744"/>
+          </a:xfrm>
+        </p:spPr>
+        <p:txBody>
+          <a:bodyPr>
+            <a:normAutofit/>
+          </a:bodyPr>
+          <a:lstStyle/>
+          <a:p>
+            <a:pPr algn="l"/>
+            <a:endParaRPr lang="en-US" smtClean="0">
+              <a:latin typeface="Times New Roman" panose="02020603050405020304" pitchFamily="18" charset="0"/>
+              <a:cs typeface="Times New Roman" panose="02020603050405020304" pitchFamily="18" charset="0"/>
+            </a:endParaRPr>
+          </a:p>
+        </p:txBody>
+      </p:sp>
+      <p:sp>
+        <p:nvSpPr>
+          <p:cNvPr id="4" name="AutoShape 2" descr="Káº¿t quáº£ hÃ¬nh áº£nh cho ibm cloud private"/>
+          <p:cNvSpPr>
+            <a:spLocks noChangeAspect="1" noChangeArrowheads="1"/>
+          </p:cNvSpPr>
+          <p:nvPr/>
+        </p:nvSpPr>
+        <p:spPr bwMode="auto">
+          <a:xfrm>
+            <a:off x="155575" y="-144463"/>
+            <a:ext cx="304800" cy="304801"/>
+          </a:xfrm>
+          <a:prstGeom prst="rect">
+            <a:avLst/>
+          </a:prstGeom>
+          <a:noFill/>
+          <a:extLst>
+            <a:ext uri="{909E8E84-426E-40DD-AFC4-6F175D3DCCD1}">
+              <a14:hiddenFill xmlns:a14="http://schemas.microsoft.com/office/drawing/2010/main">
+                <a:solidFill>
+                  <a:srgbClr val="FFFFFF"/>
+                </a:solidFill>
+              </a14:hiddenFill>
+            </a:ext>
+          </a:extLst>
+        </p:spPr>
+        <p:txBody>
+          <a:bodyPr vert="horz" wrap="square" lIns="91440" tIns="45720" rIns="91440" bIns="45720" numCol="1" anchor="t" anchorCtr="0" compatLnSpc="1">
+            <a:prstTxWarp prst="textNoShape">
+              <a:avLst/>
+            </a:prstTxWarp>
+          </a:bodyPr>
+          <a:lstStyle/>
+          <a:p>
+            <a:endParaRPr lang="en-US"/>
+          </a:p>
+        </p:txBody>
+      </p:sp>
+      <p:pic>
+        <p:nvPicPr>
+          <p:cNvPr id="1028" name="Picture 4" descr="Káº¿t quáº£ hÃ¬nh áº£nh cho ibm cloud private"/>
+          <p:cNvPicPr>
+            <a:picLocks noChangeAspect="1" noChangeArrowheads="1"/>
+          </p:cNvPicPr>
+          <p:nvPr/>
+        </p:nvPicPr>
+        <p:blipFill>
+          <a:blip r:embed="rId2" cstate="print">
+            <a:extLst>
+              <a:ext uri="{28A0092B-C50C-407E-A947-70E740481C1C}">
+                <a14:useLocalDpi xmlns:a14="http://schemas.microsoft.com/office/drawing/2010/main" val="0"/>
+              </a:ext>
+            </a:extLst>
+          </a:blip>
+          <a:srcRect/>
+          <a:stretch>
+            <a:fillRect/>
+          </a:stretch>
+        </p:blipFill>
+        <p:spPr bwMode="auto">
+          <a:xfrm>
+            <a:off x="0" y="0"/>
+            <a:ext cx="1524000" cy="1605852"/>
+          </a:xfrm>
+          <a:prstGeom prst="rect">
+            <a:avLst/>
+          </a:prstGeom>
+          <a:noFill/>
+          <a:extLst>
+            <a:ext uri="{909E8E84-426E-40DD-AFC4-6F175D3DCCD1}">
+              <a14:hiddenFill xmlns:a14="http://schemas.microsoft.com/office/drawing/2010/main">
+                <a:solidFill>
+                  <a:srgbClr val="FFFFFF"/>
+                </a:solidFill>
+              </a14:hiddenFill>
+            </a:ext>
+          </a:extLst>
+        </p:spPr>
+      </p:pic>
+      <p:sp>
+        <p:nvSpPr>
+          <p:cNvPr id="6" name="Title 1"/>
+          <p:cNvSpPr txBox="1">
+            <a:spLocks/>
+          </p:cNvSpPr>
+          <p:nvPr/>
+        </p:nvSpPr>
+        <p:spPr>
+          <a:xfrm>
+            <a:off x="1524000" y="914399"/>
+            <a:ext cx="10668000" cy="691453"/>
+          </a:xfrm>
+          <a:prstGeom prst="rect">
+            <a:avLst/>
+          </a:prstGeom>
+        </p:spPr>
+        <p:txBody>
+          <a:bodyPr vert="horz" lIns="91440" tIns="45720" rIns="91440" bIns="45720" rtlCol="0" anchor="b">
+            <a:normAutofit fontScale="97500"/>
+          </a:bodyPr>
+          <a:lstStyle>
+            <a:lvl1pPr algn="ctr" defTabSz="914400" rtl="0" eaLnBrk="1" latinLnBrk="0" hangingPunct="1">
+              <a:lnSpc>
+                <a:spcPct val="90000"/>
+              </a:lnSpc>
+              <a:spcBef>
+                <a:spcPct val="0"/>
+              </a:spcBef>
+              <a:buNone/>
+              <a:defRPr sz="6000" kern="1200">
+                <a:solidFill>
+                  <a:schemeClr val="tx1"/>
+                </a:solidFill>
+                <a:latin typeface="+mj-lt"/>
+                <a:ea typeface="+mj-ea"/>
+                <a:cs typeface="+mj-cs"/>
+              </a:defRPr>
+            </a:lvl1pPr>
+          </a:lstStyle>
+          <a:p>
+            <a:pPr algn="l"/>
+            <a:r>
+              <a:rPr lang="en-US" sz="4000">
+                <a:latin typeface="Times New Roman" panose="02020603050405020304" pitchFamily="18" charset="0"/>
+                <a:cs typeface="Times New Roman" panose="02020603050405020304" pitchFamily="18" charset="0"/>
+              </a:rPr>
+              <a:t>4</a:t>
+            </a:r>
+            <a:r>
+              <a:rPr lang="en-US" sz="4000" smtClean="0">
+                <a:latin typeface="Times New Roman" panose="02020603050405020304" pitchFamily="18" charset="0"/>
+                <a:cs typeface="Times New Roman" panose="02020603050405020304" pitchFamily="18" charset="0"/>
+              </a:rPr>
+              <a:t>. </a:t>
+            </a:r>
+            <a:r>
+              <a:rPr lang="en-US" sz="4000" smtClean="0">
+                <a:latin typeface="Times New Roman" panose="02020603050405020304" pitchFamily="18" charset="0"/>
+                <a:cs typeface="Times New Roman" panose="02020603050405020304" pitchFamily="18" charset="0"/>
+              </a:rPr>
+              <a:t>Editions</a:t>
+            </a:r>
+            <a:endParaRPr lang="en-US" sz="4000">
+              <a:latin typeface="Times New Roman" panose="02020603050405020304" pitchFamily="18" charset="0"/>
+              <a:cs typeface="Times New Roman" panose="02020603050405020304" pitchFamily="18" charset="0"/>
+            </a:endParaRPr>
+          </a:p>
+        </p:txBody>
+      </p:sp>
+      <p:pic>
+        <p:nvPicPr>
+          <p:cNvPr id="7" name="Picture 6" descr="Káº¿t quáº£ hÃ¬nh áº£nh cho ibm cloud private"/>
+          <p:cNvPicPr>
+            <a:picLocks noChangeAspect="1" noChangeArrowheads="1"/>
+          </p:cNvPicPr>
+          <p:nvPr/>
+        </p:nvPicPr>
+        <p:blipFill>
+          <a:blip r:embed="rId3" cstate="print">
+            <a:extLst>
+              <a:ext uri="{28A0092B-C50C-407E-A947-70E740481C1C}">
+                <a14:useLocalDpi xmlns:a14="http://schemas.microsoft.com/office/drawing/2010/main" val="0"/>
+              </a:ext>
+            </a:extLst>
+          </a:blip>
+          <a:srcRect/>
+          <a:stretch>
+            <a:fillRect/>
+          </a:stretch>
+        </p:blipFill>
+        <p:spPr bwMode="auto">
+          <a:xfrm>
+            <a:off x="9806081" y="5583237"/>
+            <a:ext cx="2385919" cy="1274763"/>
+          </a:xfrm>
+          <a:prstGeom prst="rect">
+            <a:avLst/>
+          </a:prstGeom>
+          <a:noFill/>
+          <a:extLst>
+            <a:ext uri="{909E8E84-426E-40DD-AFC4-6F175D3DCCD1}">
+              <a14:hiddenFill xmlns:a14="http://schemas.microsoft.com/office/drawing/2010/main">
+                <a:solidFill>
+                  <a:srgbClr val="FFFFFF"/>
+                </a:solidFill>
+              </a14:hiddenFill>
+            </a:ext>
+          </a:extLst>
+        </p:spPr>
+      </p:pic>
+    </p:spTree>
+    <p:extLst>
+      <p:ext uri="{BB962C8B-B14F-4D97-AF65-F5344CB8AC3E}">
+        <p14:creationId xmlns:p14="http://schemas.microsoft.com/office/powerpoint/2010/main" val="2569980825"/>
       </p:ext>
     </p:extLst>
   </p:cSld>

--- a/IBM Private Cloud.pptx
+++ b/IBM Private Cloud.pptx
@@ -3024,7 +3024,14 @@
                 <a:latin typeface="Times New Roman" panose="02020603050405020304" pitchFamily="18" charset="0"/>
                 <a:cs typeface="Times New Roman" panose="02020603050405020304" pitchFamily="18" charset="0"/>
               </a:rPr>
-              <a:t>IBM Private Cloud</a:t>
+              <a:t>IBM </a:t>
+            </a:r>
+            <a:r>
+              <a:rPr lang="en-US" smtClean="0">
+                <a:latin typeface="Times New Roman" panose="02020603050405020304" pitchFamily="18" charset="0"/>
+                <a:cs typeface="Times New Roman" panose="02020603050405020304" pitchFamily="18" charset="0"/>
+              </a:rPr>
+              <a:t>Cloud Private</a:t>
             </a:r>
             <a:endParaRPr lang="en-US">
               <a:latin typeface="Times New Roman" panose="02020603050405020304" pitchFamily="18" charset="0"/>
@@ -3282,7 +3289,14 @@
                 <a:latin typeface="Times New Roman" panose="02020603050405020304" pitchFamily="18" charset="0"/>
                 <a:cs typeface="Times New Roman" panose="02020603050405020304" pitchFamily="18" charset="0"/>
               </a:rPr>
-              <a:t>IBM Private Cloud</a:t>
+              <a:t>IBM </a:t>
+            </a:r>
+            <a:r>
+              <a:rPr lang="en-US" smtClean="0">
+                <a:latin typeface="Times New Roman" panose="02020603050405020304" pitchFamily="18" charset="0"/>
+                <a:cs typeface="Times New Roman" panose="02020603050405020304" pitchFamily="18" charset="0"/>
+              </a:rPr>
+              <a:t>Cloud Private</a:t>
             </a:r>
             <a:endParaRPr lang="en-US">
               <a:latin typeface="Times New Roman" panose="02020603050405020304" pitchFamily="18" charset="0"/>
@@ -3543,11 +3557,11 @@
           <a:lstStyle/>
           <a:p>
             <a:r>
-              <a:rPr lang="en-US" smtClean="0">
+              <a:rPr lang="en-US">
                 <a:latin typeface="Times New Roman" panose="02020603050405020304" pitchFamily="18" charset="0"/>
                 <a:cs typeface="Times New Roman" panose="02020603050405020304" pitchFamily="18" charset="0"/>
               </a:rPr>
-              <a:t>IBM Private Cloud</a:t>
+              <a:t>IBM Cloud Private</a:t>
             </a:r>
             <a:endParaRPr lang="en-US">
               <a:latin typeface="Times New Roman" panose="02020603050405020304" pitchFamily="18" charset="0"/>
@@ -3934,40 +3948,53 @@
           <a:lstStyle/>
           <a:p>
             <a:r>
+              <a:rPr lang="en-US">
+                <a:latin typeface="Times New Roman" panose="02020603050405020304" pitchFamily="18" charset="0"/>
+                <a:cs typeface="Times New Roman" panose="02020603050405020304" pitchFamily="18" charset="0"/>
+              </a:rPr>
+              <a:t>IBM Cloud Private</a:t>
+            </a:r>
+            <a:endParaRPr lang="en-US">
+              <a:latin typeface="Times New Roman" panose="02020603050405020304" pitchFamily="18" charset="0"/>
+              <a:cs typeface="Times New Roman" panose="02020603050405020304" pitchFamily="18" charset="0"/>
+            </a:endParaRPr>
+          </a:p>
+        </p:txBody>
+      </p:sp>
+      <p:sp>
+        <p:nvSpPr>
+          <p:cNvPr id="3" name="Subtitle 2"/>
+          <p:cNvSpPr>
+            <a:spLocks noGrp="1"/>
+          </p:cNvSpPr>
+          <p:nvPr>
+            <p:ph type="subTitle" idx="1"/>
+          </p:nvPr>
+        </p:nvSpPr>
+        <p:spPr>
+          <a:xfrm>
+            <a:off x="0" y="2099257"/>
+            <a:ext cx="12192000" cy="4758744"/>
+          </a:xfrm>
+        </p:spPr>
+        <p:txBody>
+          <a:bodyPr>
+            <a:normAutofit/>
+          </a:bodyPr>
+          <a:lstStyle/>
+          <a:p>
+            <a:pPr marL="342900" indent="-342900" algn="l">
+              <a:buFont typeface="Arial" panose="020B0604020202020204" pitchFamily="34" charset="0"/>
+              <a:buChar char="•"/>
+            </a:pPr>
+            <a:r>
               <a:rPr lang="en-US" smtClean="0">
                 <a:latin typeface="Times New Roman" panose="02020603050405020304" pitchFamily="18" charset="0"/>
                 <a:cs typeface="Times New Roman" panose="02020603050405020304" pitchFamily="18" charset="0"/>
               </a:rPr>
-              <a:t>IBM Private Cloud</a:t>
-            </a:r>
-            <a:endParaRPr lang="en-US">
-              <a:latin typeface="Times New Roman" panose="02020603050405020304" pitchFamily="18" charset="0"/>
-              <a:cs typeface="Times New Roman" panose="02020603050405020304" pitchFamily="18" charset="0"/>
-            </a:endParaRPr>
-          </a:p>
-        </p:txBody>
-      </p:sp>
-      <p:sp>
-        <p:nvSpPr>
-          <p:cNvPr id="3" name="Subtitle 2"/>
-          <p:cNvSpPr>
-            <a:spLocks noGrp="1"/>
-          </p:cNvSpPr>
-          <p:nvPr>
-            <p:ph type="subTitle" idx="1"/>
-          </p:nvPr>
-        </p:nvSpPr>
-        <p:spPr>
-          <a:xfrm>
-            <a:off x="0" y="2099257"/>
-            <a:ext cx="12192000" cy="4758744"/>
-          </a:xfrm>
-        </p:spPr>
-        <p:txBody>
-          <a:bodyPr>
-            <a:normAutofit/>
-          </a:bodyPr>
-          <a:lstStyle/>
+              <a:t>A unified installer: Rapidly deploy your cluster </a:t>
+            </a:r>
+          </a:p>
           <a:p>
             <a:pPr marL="342900" indent="-342900" algn="l">
               <a:buFont typeface="Arial" panose="020B0604020202020204" pitchFamily="34" charset="0"/>
@@ -3978,43 +4005,8 @@
                 <a:latin typeface="Times New Roman" panose="02020603050405020304" pitchFamily="18" charset="0"/>
                 <a:cs typeface="Times New Roman" panose="02020603050405020304" pitchFamily="18" charset="0"/>
               </a:rPr>
-              <a:t>A unified </a:t>
-            </a:r>
-            <a:r>
-              <a:rPr lang="en-US" smtClean="0">
-                <a:latin typeface="Times New Roman" panose="02020603050405020304" pitchFamily="18" charset="0"/>
-                <a:cs typeface="Times New Roman" panose="02020603050405020304" pitchFamily="18" charset="0"/>
-              </a:rPr>
-              <a:t>installer: Rapidly deploy your cluster </a:t>
-            </a:r>
-            <a:endParaRPr lang="en-US" smtClean="0">
-              <a:latin typeface="Times New Roman" panose="02020603050405020304" pitchFamily="18" charset="0"/>
-              <a:cs typeface="Times New Roman" panose="02020603050405020304" pitchFamily="18" charset="0"/>
-            </a:endParaRPr>
-          </a:p>
-          <a:p>
-            <a:pPr marL="342900" indent="-342900" algn="l">
-              <a:buFont typeface="Arial" panose="020B0604020202020204" pitchFamily="34" charset="0"/>
-              <a:buChar char="•"/>
-            </a:pPr>
-            <a:r>
-              <a:rPr lang="en-US" smtClean="0">
-                <a:latin typeface="Times New Roman" panose="02020603050405020304" pitchFamily="18" charset="0"/>
-                <a:cs typeface="Times New Roman" panose="02020603050405020304" pitchFamily="18" charset="0"/>
-              </a:rPr>
-              <a:t>IBM Cloud Private cluster management </a:t>
-            </a:r>
-            <a:r>
-              <a:rPr lang="en-US" smtClean="0">
-                <a:latin typeface="Times New Roman" panose="02020603050405020304" pitchFamily="18" charset="0"/>
-                <a:cs typeface="Times New Roman" panose="02020603050405020304" pitchFamily="18" charset="0"/>
-              </a:rPr>
-              <a:t>console: manage, monitor, troubleshoot</a:t>
-            </a:r>
-            <a:endParaRPr lang="en-US" smtClean="0">
-              <a:latin typeface="Times New Roman" panose="02020603050405020304" pitchFamily="18" charset="0"/>
-              <a:cs typeface="Times New Roman" panose="02020603050405020304" pitchFamily="18" charset="0"/>
-            </a:endParaRPr>
+              <a:t>IBM Cloud Private cluster management console: manage, monitor, troubleshoot</a:t>
+            </a:r>
           </a:p>
           <a:p>
             <a:pPr marL="342900" indent="-342900" algn="l">
@@ -4039,14 +4031,7 @@
                 <a:latin typeface="Times New Roman" panose="02020603050405020304" pitchFamily="18" charset="0"/>
                 <a:cs typeface="Times New Roman" panose="02020603050405020304" pitchFamily="18" charset="0"/>
               </a:rPr>
-              <a:t>Catalog with Helm: </a:t>
-            </a:r>
-            <a:r>
-              <a:rPr lang="en-US" smtClean="0">
-                <a:latin typeface="Times New Roman" panose="02020603050405020304" pitchFamily="18" charset="0"/>
-                <a:cs typeface="Times New Roman" panose="02020603050405020304" pitchFamily="18" charset="0"/>
-              </a:rPr>
-              <a:t>https</a:t>
+              <a:t>Catalog with Helm: https</a:t>
             </a:r>
             <a:r>
               <a:rPr lang="en-US">
@@ -4062,10 +4047,6 @@
               </a:rPr>
               <a:t>github.com/kubernetes/charts/tree/master/stable.</a:t>
             </a:r>
-            <a:endParaRPr lang="en-US" smtClean="0">
-              <a:latin typeface="Times New Roman" panose="02020603050405020304" pitchFamily="18" charset="0"/>
-              <a:cs typeface="Times New Roman" panose="02020603050405020304" pitchFamily="18" charset="0"/>
-            </a:endParaRPr>
           </a:p>
           <a:p>
             <a:pPr marL="342900" indent="-342900" algn="l">
@@ -4077,19 +4058,8 @@
                 <a:latin typeface="Times New Roman" panose="02020603050405020304" pitchFamily="18" charset="0"/>
                 <a:cs typeface="Times New Roman" panose="02020603050405020304" pitchFamily="18" charset="0"/>
               </a:rPr>
-              <a:t>Isolated Tenant </a:t>
-            </a:r>
-            <a:r>
-              <a:rPr lang="en-US" smtClean="0">
-                <a:latin typeface="Times New Roman" panose="02020603050405020304" pitchFamily="18" charset="0"/>
-                <a:cs typeface="Times New Roman" panose="02020603050405020304" pitchFamily="18" charset="0"/>
-              </a:rPr>
-              <a:t>Networks with Calico: Virtual network and more.</a:t>
-            </a:r>
-            <a:endParaRPr lang="en-US" smtClean="0">
-              <a:latin typeface="Times New Roman" panose="02020603050405020304" pitchFamily="18" charset="0"/>
-              <a:cs typeface="Times New Roman" panose="02020603050405020304" pitchFamily="18" charset="0"/>
-            </a:endParaRPr>
+              <a:t>Isolated Tenant Networks with Calico: Virtual network and more.</a:t>
+            </a:r>
           </a:p>
           <a:p>
             <a:pPr marL="342900" indent="-342900" algn="l">
@@ -4108,14 +4078,7 @@
                 <a:latin typeface="Times New Roman" panose="02020603050405020304" pitchFamily="18" charset="0"/>
                 <a:cs typeface="Times New Roman" panose="02020603050405020304" pitchFamily="18" charset="0"/>
               </a:rPr>
-              <a:t>stack: Elasticsearch, Logstash, </a:t>
-            </a:r>
-            <a:r>
-              <a:rPr lang="en-US">
-                <a:latin typeface="Times New Roman" panose="02020603050405020304" pitchFamily="18" charset="0"/>
-                <a:cs typeface="Times New Roman" panose="02020603050405020304" pitchFamily="18" charset="0"/>
-              </a:rPr>
-              <a:t>Filebeat </a:t>
+              <a:t>stack: Elasticsearch, Logstash, Filebeat </a:t>
             </a:r>
             <a:r>
               <a:rPr lang="en-US" smtClean="0">
@@ -4375,11 +4338,11 @@
           <a:lstStyle/>
           <a:p>
             <a:r>
-              <a:rPr lang="en-US" smtClean="0">
+              <a:rPr lang="en-US">
                 <a:latin typeface="Times New Roman" panose="02020603050405020304" pitchFamily="18" charset="0"/>
                 <a:cs typeface="Times New Roman" panose="02020603050405020304" pitchFamily="18" charset="0"/>
               </a:rPr>
-              <a:t>IBM Private Cloud</a:t>
+              <a:t>IBM Cloud Private</a:t>
             </a:r>
             <a:endParaRPr lang="en-US">
               <a:latin typeface="Times New Roman" panose="02020603050405020304" pitchFamily="18" charset="0"/>
@@ -4730,11 +4693,11 @@
           <a:lstStyle/>
           <a:p>
             <a:r>
-              <a:rPr lang="en-US" smtClean="0">
+              <a:rPr lang="en-US">
                 <a:latin typeface="Times New Roman" panose="02020603050405020304" pitchFamily="18" charset="0"/>
                 <a:cs typeface="Times New Roman" panose="02020603050405020304" pitchFamily="18" charset="0"/>
               </a:rPr>
-              <a:t>IBM Private Cloud</a:t>
+              <a:t>IBM Cloud Private</a:t>
             </a:r>
             <a:endParaRPr lang="en-US">
               <a:latin typeface="Times New Roman" panose="02020603050405020304" pitchFamily="18" charset="0"/>
@@ -4907,14 +4870,7 @@
                 <a:latin typeface="Times New Roman" panose="02020603050405020304" pitchFamily="18" charset="0"/>
                 <a:cs typeface="Times New Roman" panose="02020603050405020304" pitchFamily="18" charset="0"/>
               </a:rPr>
-              <a:t>. </a:t>
-            </a:r>
-            <a:r>
-              <a:rPr lang="en-US" sz="4000" smtClean="0">
-                <a:latin typeface="Times New Roman" panose="02020603050405020304" pitchFamily="18" charset="0"/>
-                <a:cs typeface="Times New Roman" panose="02020603050405020304" pitchFamily="18" charset="0"/>
-              </a:rPr>
-              <a:t>Editions</a:t>
+              <a:t>. Editions</a:t>
             </a:r>
             <a:endParaRPr lang="en-US" sz="4000">
               <a:latin typeface="Times New Roman" panose="02020603050405020304" pitchFamily="18" charset="0"/>

--- a/IBM Private Cloud.pptx
+++ b/IBM Private Cloud.pptx
@@ -3024,14 +3024,7 @@
                 <a:latin typeface="Times New Roman" panose="02020603050405020304" pitchFamily="18" charset="0"/>
                 <a:cs typeface="Times New Roman" panose="02020603050405020304" pitchFamily="18" charset="0"/>
               </a:rPr>
-              <a:t>IBM </a:t>
-            </a:r>
-            <a:r>
-              <a:rPr lang="en-US" smtClean="0">
-                <a:latin typeface="Times New Roman" panose="02020603050405020304" pitchFamily="18" charset="0"/>
-                <a:cs typeface="Times New Roman" panose="02020603050405020304" pitchFamily="18" charset="0"/>
-              </a:rPr>
-              <a:t>Cloud Private</a:t>
+              <a:t>IBM Cloud Private</a:t>
             </a:r>
             <a:endParaRPr lang="en-US">
               <a:latin typeface="Times New Roman" panose="02020603050405020304" pitchFamily="18" charset="0"/>
@@ -3289,14 +3282,7 @@
                 <a:latin typeface="Times New Roman" panose="02020603050405020304" pitchFamily="18" charset="0"/>
                 <a:cs typeface="Times New Roman" panose="02020603050405020304" pitchFamily="18" charset="0"/>
               </a:rPr>
-              <a:t>IBM </a:t>
-            </a:r>
-            <a:r>
-              <a:rPr lang="en-US" smtClean="0">
-                <a:latin typeface="Times New Roman" panose="02020603050405020304" pitchFamily="18" charset="0"/>
-                <a:cs typeface="Times New Roman" panose="02020603050405020304" pitchFamily="18" charset="0"/>
-              </a:rPr>
-              <a:t>Cloud Private</a:t>
+              <a:t>IBM Cloud Private</a:t>
             </a:r>
             <a:endParaRPr lang="en-US">
               <a:latin typeface="Times New Roman" panose="02020603050405020304" pitchFamily="18" charset="0"/>
@@ -3371,8 +3357,12 @@
                 <a:latin typeface="Times New Roman" panose="02020603050405020304" pitchFamily="18" charset="0"/>
                 <a:cs typeface="Times New Roman" panose="02020603050405020304" pitchFamily="18" charset="0"/>
               </a:rPr>
-              <a:t>Docker </a:t>
-            </a:r>
+              <a:t>Editions</a:t>
+            </a:r>
+            <a:endParaRPr lang="en-US" smtClean="0">
+              <a:latin typeface="Times New Roman" panose="02020603050405020304" pitchFamily="18" charset="0"/>
+              <a:cs typeface="Times New Roman" panose="02020603050405020304" pitchFamily="18" charset="0"/>
+            </a:endParaRPr>
           </a:p>
         </p:txBody>
       </p:sp>
@@ -3563,10 +3553,6 @@
               </a:rPr>
               <a:t>IBM Cloud Private</a:t>
             </a:r>
-            <a:endParaRPr lang="en-US">
-              <a:latin typeface="Times New Roman" panose="02020603050405020304" pitchFamily="18" charset="0"/>
-              <a:cs typeface="Times New Roman" panose="02020603050405020304" pitchFamily="18" charset="0"/>
-            </a:endParaRPr>
           </a:p>
         </p:txBody>
       </p:sp>
@@ -3954,10 +3940,6 @@
               </a:rPr>
               <a:t>IBM Cloud Private</a:t>
             </a:r>
-            <a:endParaRPr lang="en-US">
-              <a:latin typeface="Times New Roman" panose="02020603050405020304" pitchFamily="18" charset="0"/>
-              <a:cs typeface="Times New Roman" panose="02020603050405020304" pitchFamily="18" charset="0"/>
-            </a:endParaRPr>
           </a:p>
         </p:txBody>
       </p:sp>
@@ -4344,10 +4326,6 @@
               </a:rPr>
               <a:t>IBM Cloud Private</a:t>
             </a:r>
-            <a:endParaRPr lang="en-US">
-              <a:latin typeface="Times New Roman" panose="02020603050405020304" pitchFamily="18" charset="0"/>
-              <a:cs typeface="Times New Roman" panose="02020603050405020304" pitchFamily="18" charset="0"/>
-            </a:endParaRPr>
           </a:p>
         </p:txBody>
       </p:sp>
@@ -4699,10 +4677,6 @@
               </a:rPr>
               <a:t>IBM Cloud Private</a:t>
             </a:r>
-            <a:endParaRPr lang="en-US">
-              <a:latin typeface="Times New Roman" panose="02020603050405020304" pitchFamily="18" charset="0"/>
-              <a:cs typeface="Times New Roman" panose="02020603050405020304" pitchFamily="18" charset="0"/>
-            </a:endParaRPr>
           </a:p>
         </p:txBody>
       </p:sp>
@@ -4718,8 +4692,8 @@
         </p:nvSpPr>
         <p:spPr>
           <a:xfrm>
-            <a:off x="0" y="2099257"/>
-            <a:ext cx="12192000" cy="4758744"/>
+            <a:off x="-4763" y="4063417"/>
+            <a:ext cx="15999139" cy="6637529"/>
           </a:xfrm>
         </p:spPr>
         <p:txBody>
@@ -4916,6 +4890,60 @@
                   <a:srgbClr val="FFFFFF"/>
                 </a:solidFill>
               </a14:hiddenFill>
+            </a:ext>
+          </a:extLst>
+        </p:spPr>
+      </p:pic>
+      <p:pic>
+        <p:nvPicPr>
+          <p:cNvPr id="1026" name="Picture 2" descr="1__=C8BB08EBDFB16E248f9e8a93df938690918cC8B@"/>
+          <p:cNvPicPr>
+            <a:picLocks noChangeAspect="1" noChangeArrowheads="1"/>
+          </p:cNvPicPr>
+          <p:nvPr/>
+        </p:nvPicPr>
+        <p:blipFill>
+          <a:blip r:embed="rId4">
+            <a:extLst>
+              <a:ext uri="{28A0092B-C50C-407E-A947-70E740481C1C}">
+                <a14:useLocalDpi xmlns:a14="http://schemas.microsoft.com/office/drawing/2010/main" val="0"/>
+              </a:ext>
+            </a:extLst>
+          </a:blip>
+          <a:srcRect/>
+          <a:stretch>
+            <a:fillRect/>
+          </a:stretch>
+        </p:blipFill>
+        <p:spPr bwMode="auto">
+          <a:xfrm>
+            <a:off x="0" y="1968923"/>
+            <a:ext cx="9990723" cy="4889077"/>
+          </a:xfrm>
+          <a:prstGeom prst="rect">
+            <a:avLst/>
+          </a:prstGeom>
+          <a:noFill/>
+          <a:ln>
+            <a:noFill/>
+          </a:ln>
+          <a:extLst>
+            <a:ext uri="{909E8E84-426E-40DD-AFC4-6F175D3DCCD1}">
+              <a14:hiddenFill xmlns:a14="http://schemas.microsoft.com/office/drawing/2010/main">
+                <a:solidFill>
+                  <a:srgbClr val="FFFFFF"/>
+                </a:solidFill>
+              </a14:hiddenFill>
+            </a:ext>
+            <a:ext uri="{91240B29-F687-4F45-9708-019B960494DF}">
+              <a14:hiddenLine xmlns:a14="http://schemas.microsoft.com/office/drawing/2010/main" w="9525">
+                <a:solidFill>
+                  <a:srgbClr val="000000"/>
+                </a:solidFill>
+                <a:miter lim="800000"/>
+                <a:headEnd/>
+                <a:tailEnd/>
+              </a14:hiddenLine>
             </a:ext>
           </a:extLst>
         </p:spPr>

--- a/IBM Private Cloud.pptx
+++ b/IBM Private Cloud.pptx
@@ -4,6 +4,9 @@
   <p:sldMasterIdLst>
     <p:sldMasterId id="2147483648" r:id="rId1"/>
   </p:sldMasterIdLst>
+  <p:notesMasterIdLst>
+    <p:notesMasterId r:id="rId8"/>
+  </p:notesMasterIdLst>
   <p:sldIdLst>
     <p:sldId id="256" r:id="rId2"/>
     <p:sldId id="257" r:id="rId3"/>
@@ -115,6 +118,983 @@
     </p:ext>
   </p:extLst>
 </p:presentation>
+</file>
+
+<file path=ppt/notesMasters/notesMaster1.xml><?xml version="1.0" encoding="utf-8"?>
+<p:notesMaster xmlns:a="http://schemas.openxmlformats.org/drawingml/2006/main" xmlns:r="http://schemas.openxmlformats.org/officeDocument/2006/relationships" xmlns:p="http://schemas.openxmlformats.org/presentationml/2006/main">
+  <p:cSld>
+    <p:bg>
+      <p:bgRef idx="1001">
+        <a:schemeClr val="bg1"/>
+      </p:bgRef>
+    </p:bg>
+    <p:spTree>
+      <p:nvGrpSpPr>
+        <p:cNvPr id="1" name=""/>
+        <p:cNvGrpSpPr/>
+        <p:nvPr/>
+      </p:nvGrpSpPr>
+      <p:grpSpPr>
+        <a:xfrm>
+          <a:off x="0" y="0"/>
+          <a:ext cx="0" cy="0"/>
+          <a:chOff x="0" y="0"/>
+          <a:chExt cx="0" cy="0"/>
+        </a:xfrm>
+      </p:grpSpPr>
+      <p:sp>
+        <p:nvSpPr>
+          <p:cNvPr id="2" name="Header Placeholder 1"/>
+          <p:cNvSpPr>
+            <a:spLocks noGrp="1"/>
+          </p:cNvSpPr>
+          <p:nvPr>
+            <p:ph type="hdr" sz="quarter"/>
+          </p:nvPr>
+        </p:nvSpPr>
+        <p:spPr>
+          <a:xfrm>
+            <a:off x="0" y="0"/>
+            <a:ext cx="2971800" cy="458788"/>
+          </a:xfrm>
+          <a:prstGeom prst="rect">
+            <a:avLst/>
+          </a:prstGeom>
+        </p:spPr>
+        <p:txBody>
+          <a:bodyPr vert="horz" lIns="91440" tIns="45720" rIns="91440" bIns="45720" rtlCol="0"/>
+          <a:lstStyle>
+            <a:lvl1pPr algn="l">
+              <a:defRPr sz="1200"/>
+            </a:lvl1pPr>
+          </a:lstStyle>
+          <a:p>
+            <a:endParaRPr lang="en-US"/>
+          </a:p>
+        </p:txBody>
+      </p:sp>
+      <p:sp>
+        <p:nvSpPr>
+          <p:cNvPr id="3" name="Date Placeholder 2"/>
+          <p:cNvSpPr>
+            <a:spLocks noGrp="1"/>
+          </p:cNvSpPr>
+          <p:nvPr>
+            <p:ph type="dt" idx="1"/>
+          </p:nvPr>
+        </p:nvSpPr>
+        <p:spPr>
+          <a:xfrm>
+            <a:off x="3884613" y="0"/>
+            <a:ext cx="2971800" cy="458788"/>
+          </a:xfrm>
+          <a:prstGeom prst="rect">
+            <a:avLst/>
+          </a:prstGeom>
+        </p:spPr>
+        <p:txBody>
+          <a:bodyPr vert="horz" lIns="91440" tIns="45720" rIns="91440" bIns="45720" rtlCol="0"/>
+          <a:lstStyle>
+            <a:lvl1pPr algn="r">
+              <a:defRPr sz="1200"/>
+            </a:lvl1pPr>
+          </a:lstStyle>
+          <a:p>
+            <a:fld id="{DBA9B488-5755-460E-9DB6-D0FF635609A0}" type="datetimeFigureOut">
+              <a:rPr lang="en-US" smtClean="0"/>
+              <a:t>4/23/2018</a:t>
+            </a:fld>
+            <a:endParaRPr lang="en-US"/>
+          </a:p>
+        </p:txBody>
+      </p:sp>
+      <p:sp>
+        <p:nvSpPr>
+          <p:cNvPr id="4" name="Slide Image Placeholder 3"/>
+          <p:cNvSpPr>
+            <a:spLocks noGrp="1" noRot="1" noChangeAspect="1"/>
+          </p:cNvSpPr>
+          <p:nvPr>
+            <p:ph type="sldImg" idx="2"/>
+          </p:nvPr>
+        </p:nvSpPr>
+        <p:spPr>
+          <a:xfrm>
+            <a:off x="685800" y="1143000"/>
+            <a:ext cx="5486400" cy="3086100"/>
+          </a:xfrm>
+          <a:prstGeom prst="rect">
+            <a:avLst/>
+          </a:prstGeom>
+          <a:noFill/>
+          <a:ln w="12700">
+            <a:solidFill>
+              <a:prstClr val="black"/>
+            </a:solidFill>
+          </a:ln>
+        </p:spPr>
+        <p:txBody>
+          <a:bodyPr vert="horz" lIns="91440" tIns="45720" rIns="91440" bIns="45720" rtlCol="0" anchor="ctr"/>
+          <a:lstStyle/>
+          <a:p>
+            <a:endParaRPr lang="en-US"/>
+          </a:p>
+        </p:txBody>
+      </p:sp>
+      <p:sp>
+        <p:nvSpPr>
+          <p:cNvPr id="5" name="Notes Placeholder 4"/>
+          <p:cNvSpPr>
+            <a:spLocks noGrp="1"/>
+          </p:cNvSpPr>
+          <p:nvPr>
+            <p:ph type="body" sz="quarter" idx="3"/>
+          </p:nvPr>
+        </p:nvSpPr>
+        <p:spPr>
+          <a:xfrm>
+            <a:off x="685800" y="4400550"/>
+            <a:ext cx="5486400" cy="3600450"/>
+          </a:xfrm>
+          <a:prstGeom prst="rect">
+            <a:avLst/>
+          </a:prstGeom>
+        </p:spPr>
+        <p:txBody>
+          <a:bodyPr vert="horz" lIns="91440" tIns="45720" rIns="91440" bIns="45720" rtlCol="0"/>
+          <a:lstStyle/>
+          <a:p>
+            <a:pPr lvl="0"/>
+            <a:r>
+              <a:rPr lang="en-US" smtClean="0"/>
+              <a:t>Click to edit Master text styles</a:t>
+            </a:r>
+          </a:p>
+          <a:p>
+            <a:pPr lvl="1"/>
+            <a:r>
+              <a:rPr lang="en-US" smtClean="0"/>
+              <a:t>Second level</a:t>
+            </a:r>
+          </a:p>
+          <a:p>
+            <a:pPr lvl="2"/>
+            <a:r>
+              <a:rPr lang="en-US" smtClean="0"/>
+              <a:t>Third level</a:t>
+            </a:r>
+          </a:p>
+          <a:p>
+            <a:pPr lvl="3"/>
+            <a:r>
+              <a:rPr lang="en-US" smtClean="0"/>
+              <a:t>Fourth level</a:t>
+            </a:r>
+          </a:p>
+          <a:p>
+            <a:pPr lvl="4"/>
+            <a:r>
+              <a:rPr lang="en-US" smtClean="0"/>
+              <a:t>Fifth level</a:t>
+            </a:r>
+            <a:endParaRPr lang="en-US"/>
+          </a:p>
+        </p:txBody>
+      </p:sp>
+      <p:sp>
+        <p:nvSpPr>
+          <p:cNvPr id="6" name="Footer Placeholder 5"/>
+          <p:cNvSpPr>
+            <a:spLocks noGrp="1"/>
+          </p:cNvSpPr>
+          <p:nvPr>
+            <p:ph type="ftr" sz="quarter" idx="4"/>
+          </p:nvPr>
+        </p:nvSpPr>
+        <p:spPr>
+          <a:xfrm>
+            <a:off x="0" y="8685213"/>
+            <a:ext cx="2971800" cy="458787"/>
+          </a:xfrm>
+          <a:prstGeom prst="rect">
+            <a:avLst/>
+          </a:prstGeom>
+        </p:spPr>
+        <p:txBody>
+          <a:bodyPr vert="horz" lIns="91440" tIns="45720" rIns="91440" bIns="45720" rtlCol="0" anchor="b"/>
+          <a:lstStyle>
+            <a:lvl1pPr algn="l">
+              <a:defRPr sz="1200"/>
+            </a:lvl1pPr>
+          </a:lstStyle>
+          <a:p>
+            <a:endParaRPr lang="en-US"/>
+          </a:p>
+        </p:txBody>
+      </p:sp>
+      <p:sp>
+        <p:nvSpPr>
+          <p:cNvPr id="7" name="Slide Number Placeholder 6"/>
+          <p:cNvSpPr>
+            <a:spLocks noGrp="1"/>
+          </p:cNvSpPr>
+          <p:nvPr>
+            <p:ph type="sldNum" sz="quarter" idx="5"/>
+          </p:nvPr>
+        </p:nvSpPr>
+        <p:spPr>
+          <a:xfrm>
+            <a:off x="3884613" y="8685213"/>
+            <a:ext cx="2971800" cy="458787"/>
+          </a:xfrm>
+          <a:prstGeom prst="rect">
+            <a:avLst/>
+          </a:prstGeom>
+        </p:spPr>
+        <p:txBody>
+          <a:bodyPr vert="horz" lIns="91440" tIns="45720" rIns="91440" bIns="45720" rtlCol="0" anchor="b"/>
+          <a:lstStyle>
+            <a:lvl1pPr algn="r">
+              <a:defRPr sz="1200"/>
+            </a:lvl1pPr>
+          </a:lstStyle>
+          <a:p>
+            <a:fld id="{46EF3BD1-2839-4216-A21F-D2738E6B7191}" type="slidenum">
+              <a:rPr lang="en-US" smtClean="0"/>
+              <a:t>‹#›</a:t>
+            </a:fld>
+            <a:endParaRPr lang="en-US"/>
+          </a:p>
+        </p:txBody>
+      </p:sp>
+    </p:spTree>
+    <p:extLst>
+      <p:ext uri="{BB962C8B-B14F-4D97-AF65-F5344CB8AC3E}">
+        <p14:creationId xmlns:p14="http://schemas.microsoft.com/office/powerpoint/2010/main" val="1167190098"/>
+      </p:ext>
+    </p:extLst>
+  </p:cSld>
+  <p:clrMap bg1="lt1" tx1="dk1" bg2="lt2" tx2="dk2" accent1="accent1" accent2="accent2" accent3="accent3" accent4="accent4" accent5="accent5" accent6="accent6" hlink="hlink" folHlink="folHlink"/>
+  <p:notesStyle>
+    <a:lvl1pPr marL="0" algn="l" defTabSz="914400" rtl="0" eaLnBrk="1" latinLnBrk="0" hangingPunct="1">
+      <a:defRPr sz="1200" kern="1200">
+        <a:solidFill>
+          <a:schemeClr val="tx1"/>
+        </a:solidFill>
+        <a:latin typeface="+mn-lt"/>
+        <a:ea typeface="+mn-ea"/>
+        <a:cs typeface="+mn-cs"/>
+      </a:defRPr>
+    </a:lvl1pPr>
+    <a:lvl2pPr marL="457200" algn="l" defTabSz="914400" rtl="0" eaLnBrk="1" latinLnBrk="0" hangingPunct="1">
+      <a:defRPr sz="1200" kern="1200">
+        <a:solidFill>
+          <a:schemeClr val="tx1"/>
+        </a:solidFill>
+        <a:latin typeface="+mn-lt"/>
+        <a:ea typeface="+mn-ea"/>
+        <a:cs typeface="+mn-cs"/>
+      </a:defRPr>
+    </a:lvl2pPr>
+    <a:lvl3pPr marL="914400" algn="l" defTabSz="914400" rtl="0" eaLnBrk="1" latinLnBrk="0" hangingPunct="1">
+      <a:defRPr sz="1200" kern="1200">
+        <a:solidFill>
+          <a:schemeClr val="tx1"/>
+        </a:solidFill>
+        <a:latin typeface="+mn-lt"/>
+        <a:ea typeface="+mn-ea"/>
+        <a:cs typeface="+mn-cs"/>
+      </a:defRPr>
+    </a:lvl3pPr>
+    <a:lvl4pPr marL="1371600" algn="l" defTabSz="914400" rtl="0" eaLnBrk="1" latinLnBrk="0" hangingPunct="1">
+      <a:defRPr sz="1200" kern="1200">
+        <a:solidFill>
+          <a:schemeClr val="tx1"/>
+        </a:solidFill>
+        <a:latin typeface="+mn-lt"/>
+        <a:ea typeface="+mn-ea"/>
+        <a:cs typeface="+mn-cs"/>
+      </a:defRPr>
+    </a:lvl4pPr>
+    <a:lvl5pPr marL="1828800" algn="l" defTabSz="914400" rtl="0" eaLnBrk="1" latinLnBrk="0" hangingPunct="1">
+      <a:defRPr sz="1200" kern="1200">
+        <a:solidFill>
+          <a:schemeClr val="tx1"/>
+        </a:solidFill>
+        <a:latin typeface="+mn-lt"/>
+        <a:ea typeface="+mn-ea"/>
+        <a:cs typeface="+mn-cs"/>
+      </a:defRPr>
+    </a:lvl5pPr>
+    <a:lvl6pPr marL="2286000" algn="l" defTabSz="914400" rtl="0" eaLnBrk="1" latinLnBrk="0" hangingPunct="1">
+      <a:defRPr sz="1200" kern="1200">
+        <a:solidFill>
+          <a:schemeClr val="tx1"/>
+        </a:solidFill>
+        <a:latin typeface="+mn-lt"/>
+        <a:ea typeface="+mn-ea"/>
+        <a:cs typeface="+mn-cs"/>
+      </a:defRPr>
+    </a:lvl6pPr>
+    <a:lvl7pPr marL="2743200" algn="l" defTabSz="914400" rtl="0" eaLnBrk="1" latinLnBrk="0" hangingPunct="1">
+      <a:defRPr sz="1200" kern="1200">
+        <a:solidFill>
+          <a:schemeClr val="tx1"/>
+        </a:solidFill>
+        <a:latin typeface="+mn-lt"/>
+        <a:ea typeface="+mn-ea"/>
+        <a:cs typeface="+mn-cs"/>
+      </a:defRPr>
+    </a:lvl7pPr>
+    <a:lvl8pPr marL="3200400" algn="l" defTabSz="914400" rtl="0" eaLnBrk="1" latinLnBrk="0" hangingPunct="1">
+      <a:defRPr sz="1200" kern="1200">
+        <a:solidFill>
+          <a:schemeClr val="tx1"/>
+        </a:solidFill>
+        <a:latin typeface="+mn-lt"/>
+        <a:ea typeface="+mn-ea"/>
+        <a:cs typeface="+mn-cs"/>
+      </a:defRPr>
+    </a:lvl8pPr>
+    <a:lvl9pPr marL="3657600" algn="l" defTabSz="914400" rtl="0" eaLnBrk="1" latinLnBrk="0" hangingPunct="1">
+      <a:defRPr sz="1200" kern="1200">
+        <a:solidFill>
+          <a:schemeClr val="tx1"/>
+        </a:solidFill>
+        <a:latin typeface="+mn-lt"/>
+        <a:ea typeface="+mn-ea"/>
+        <a:cs typeface="+mn-cs"/>
+      </a:defRPr>
+    </a:lvl9pPr>
+  </p:notesStyle>
+</p:notesMaster>
+</file>
+
+<file path=ppt/notesSlides/notesSlide1.xml><?xml version="1.0" encoding="utf-8"?>
+<p:notes xmlns:a="http://schemas.openxmlformats.org/drawingml/2006/main" xmlns:r="http://schemas.openxmlformats.org/officeDocument/2006/relationships" xmlns:p="http://schemas.openxmlformats.org/presentationml/2006/main">
+  <p:cSld>
+    <p:spTree>
+      <p:nvGrpSpPr>
+        <p:cNvPr id="1" name=""/>
+        <p:cNvGrpSpPr/>
+        <p:nvPr/>
+      </p:nvGrpSpPr>
+      <p:grpSpPr>
+        <a:xfrm>
+          <a:off x="0" y="0"/>
+          <a:ext cx="0" cy="0"/>
+          <a:chOff x="0" y="0"/>
+          <a:chExt cx="0" cy="0"/>
+        </a:xfrm>
+      </p:grpSpPr>
+      <p:sp>
+        <p:nvSpPr>
+          <p:cNvPr id="2" name="Slide Image Placeholder 1"/>
+          <p:cNvSpPr>
+            <a:spLocks noGrp="1" noRot="1" noChangeAspect="1"/>
+          </p:cNvSpPr>
+          <p:nvPr>
+            <p:ph type="sldImg"/>
+          </p:nvPr>
+        </p:nvSpPr>
+        <p:spPr/>
+      </p:sp>
+      <p:sp>
+        <p:nvSpPr>
+          <p:cNvPr id="3" name="Notes Placeholder 2"/>
+          <p:cNvSpPr>
+            <a:spLocks noGrp="1"/>
+          </p:cNvSpPr>
+          <p:nvPr>
+            <p:ph type="body" idx="1"/>
+          </p:nvPr>
+        </p:nvSpPr>
+        <p:spPr/>
+        <p:txBody>
+          <a:bodyPr/>
+          <a:lstStyle/>
+          <a:p>
+            <a:endParaRPr lang="en-US"/>
+          </a:p>
+        </p:txBody>
+      </p:sp>
+      <p:sp>
+        <p:nvSpPr>
+          <p:cNvPr id="4" name="Slide Number Placeholder 3"/>
+          <p:cNvSpPr>
+            <a:spLocks noGrp="1"/>
+          </p:cNvSpPr>
+          <p:nvPr>
+            <p:ph type="sldNum" sz="quarter" idx="10"/>
+          </p:nvPr>
+        </p:nvSpPr>
+        <p:spPr/>
+        <p:txBody>
+          <a:bodyPr/>
+          <a:lstStyle/>
+          <a:p>
+            <a:fld id="{46EF3BD1-2839-4216-A21F-D2738E6B7191}" type="slidenum">
+              <a:rPr lang="en-US" smtClean="0"/>
+              <a:t>1</a:t>
+            </a:fld>
+            <a:endParaRPr lang="en-US"/>
+          </a:p>
+        </p:txBody>
+      </p:sp>
+    </p:spTree>
+    <p:extLst>
+      <p:ext uri="{BB962C8B-B14F-4D97-AF65-F5344CB8AC3E}">
+        <p14:creationId xmlns:p14="http://schemas.microsoft.com/office/powerpoint/2010/main" val="2374603230"/>
+      </p:ext>
+    </p:extLst>
+  </p:cSld>
+  <p:clrMapOvr>
+    <a:masterClrMapping/>
+  </p:clrMapOvr>
+</p:notes>
+</file>
+
+<file path=ppt/notesSlides/notesSlide2.xml><?xml version="1.0" encoding="utf-8"?>
+<p:notes xmlns:a="http://schemas.openxmlformats.org/drawingml/2006/main" xmlns:r="http://schemas.openxmlformats.org/officeDocument/2006/relationships" xmlns:p="http://schemas.openxmlformats.org/presentationml/2006/main">
+  <p:cSld>
+    <p:spTree>
+      <p:nvGrpSpPr>
+        <p:cNvPr id="1" name=""/>
+        <p:cNvGrpSpPr/>
+        <p:nvPr/>
+      </p:nvGrpSpPr>
+      <p:grpSpPr>
+        <a:xfrm>
+          <a:off x="0" y="0"/>
+          <a:ext cx="0" cy="0"/>
+          <a:chOff x="0" y="0"/>
+          <a:chExt cx="0" cy="0"/>
+        </a:xfrm>
+      </p:grpSpPr>
+      <p:sp>
+        <p:nvSpPr>
+          <p:cNvPr id="2" name="Slide Image Placeholder 1"/>
+          <p:cNvSpPr>
+            <a:spLocks noGrp="1" noRot="1" noChangeAspect="1"/>
+          </p:cNvSpPr>
+          <p:nvPr>
+            <p:ph type="sldImg"/>
+          </p:nvPr>
+        </p:nvSpPr>
+        <p:spPr/>
+      </p:sp>
+      <p:sp>
+        <p:nvSpPr>
+          <p:cNvPr id="3" name="Notes Placeholder 2"/>
+          <p:cNvSpPr>
+            <a:spLocks noGrp="1"/>
+          </p:cNvSpPr>
+          <p:nvPr>
+            <p:ph type="body" idx="1"/>
+          </p:nvPr>
+        </p:nvSpPr>
+        <p:spPr/>
+        <p:txBody>
+          <a:bodyPr/>
+          <a:lstStyle/>
+          <a:p>
+            <a:endParaRPr lang="en-US"/>
+          </a:p>
+        </p:txBody>
+      </p:sp>
+      <p:sp>
+        <p:nvSpPr>
+          <p:cNvPr id="4" name="Slide Number Placeholder 3"/>
+          <p:cNvSpPr>
+            <a:spLocks noGrp="1"/>
+          </p:cNvSpPr>
+          <p:nvPr>
+            <p:ph type="sldNum" sz="quarter" idx="10"/>
+          </p:nvPr>
+        </p:nvSpPr>
+        <p:spPr/>
+        <p:txBody>
+          <a:bodyPr/>
+          <a:lstStyle/>
+          <a:p>
+            <a:fld id="{46EF3BD1-2839-4216-A21F-D2738E6B7191}" type="slidenum">
+              <a:rPr lang="en-US" smtClean="0"/>
+              <a:t>2</a:t>
+            </a:fld>
+            <a:endParaRPr lang="en-US"/>
+          </a:p>
+        </p:txBody>
+      </p:sp>
+    </p:spTree>
+    <p:extLst>
+      <p:ext uri="{BB962C8B-B14F-4D97-AF65-F5344CB8AC3E}">
+        <p14:creationId xmlns:p14="http://schemas.microsoft.com/office/powerpoint/2010/main" val="3700728486"/>
+      </p:ext>
+    </p:extLst>
+  </p:cSld>
+  <p:clrMapOvr>
+    <a:masterClrMapping/>
+  </p:clrMapOvr>
+</p:notes>
+</file>
+
+<file path=ppt/notesSlides/notesSlide3.xml><?xml version="1.0" encoding="utf-8"?>
+<p:notes xmlns:a="http://schemas.openxmlformats.org/drawingml/2006/main" xmlns:r="http://schemas.openxmlformats.org/officeDocument/2006/relationships" xmlns:p="http://schemas.openxmlformats.org/presentationml/2006/main">
+  <p:cSld>
+    <p:spTree>
+      <p:nvGrpSpPr>
+        <p:cNvPr id="1" name=""/>
+        <p:cNvGrpSpPr/>
+        <p:nvPr/>
+      </p:nvGrpSpPr>
+      <p:grpSpPr>
+        <a:xfrm>
+          <a:off x="0" y="0"/>
+          <a:ext cx="0" cy="0"/>
+          <a:chOff x="0" y="0"/>
+          <a:chExt cx="0" cy="0"/>
+        </a:xfrm>
+      </p:grpSpPr>
+      <p:sp>
+        <p:nvSpPr>
+          <p:cNvPr id="2" name="Slide Image Placeholder 1"/>
+          <p:cNvSpPr>
+            <a:spLocks noGrp="1" noRot="1" noChangeAspect="1"/>
+          </p:cNvSpPr>
+          <p:nvPr>
+            <p:ph type="sldImg"/>
+          </p:nvPr>
+        </p:nvSpPr>
+        <p:spPr/>
+      </p:sp>
+      <p:sp>
+        <p:nvSpPr>
+          <p:cNvPr id="3" name="Notes Placeholder 2"/>
+          <p:cNvSpPr>
+            <a:spLocks noGrp="1"/>
+          </p:cNvSpPr>
+          <p:nvPr>
+            <p:ph type="body" idx="1"/>
+          </p:nvPr>
+        </p:nvSpPr>
+        <p:spPr/>
+        <p:txBody>
+          <a:bodyPr/>
+          <a:lstStyle/>
+          <a:p>
+            <a:r>
+              <a:rPr lang="en-US" smtClean="0"/>
+              <a:t>Phần mềm để phát triển và quản lý ứng dụng on-premise.</a:t>
+            </a:r>
+          </a:p>
+          <a:p>
+            <a:r>
+              <a:rPr lang="en-US" smtClean="0"/>
+              <a:t>Phần mềm phát triển dựa trên công nghệ container</a:t>
+            </a:r>
+          </a:p>
+          <a:p>
+            <a:r>
+              <a:rPr lang="vi-VN" smtClean="0"/>
+              <a:t>Là một môi trường tích hợp để quản trị các container bao gồm:</a:t>
+            </a:r>
+            <a:endParaRPr lang="en-US" smtClean="0"/>
+          </a:p>
+          <a:p>
+            <a:r>
+              <a:rPr lang="vi-VN" smtClean="0"/>
+              <a:t>+ Kubernetes: điều khiển các container</a:t>
+            </a:r>
+          </a:p>
+          <a:p>
+            <a:r>
+              <a:rPr lang="vi-VN" smtClean="0"/>
+              <a:t>+ Một kho lưu trữ các image riêng</a:t>
+            </a:r>
+          </a:p>
+          <a:p>
+            <a:r>
+              <a:rPr lang="vi-VN" smtClean="0"/>
+              <a:t>+ Một giao diện quản trị</a:t>
+            </a:r>
+          </a:p>
+          <a:p>
+            <a:r>
+              <a:rPr lang="vi-VN" smtClean="0"/>
+              <a:t>+ Các framework để giám sát</a:t>
+            </a:r>
+          </a:p>
+          <a:p>
+            <a:endParaRPr lang="en-US"/>
+          </a:p>
+        </p:txBody>
+      </p:sp>
+      <p:sp>
+        <p:nvSpPr>
+          <p:cNvPr id="4" name="Slide Number Placeholder 3"/>
+          <p:cNvSpPr>
+            <a:spLocks noGrp="1"/>
+          </p:cNvSpPr>
+          <p:nvPr>
+            <p:ph type="sldNum" sz="quarter" idx="10"/>
+          </p:nvPr>
+        </p:nvSpPr>
+        <p:spPr/>
+        <p:txBody>
+          <a:bodyPr/>
+          <a:lstStyle/>
+          <a:p>
+            <a:fld id="{46EF3BD1-2839-4216-A21F-D2738E6B7191}" type="slidenum">
+              <a:rPr lang="en-US" smtClean="0"/>
+              <a:t>3</a:t>
+            </a:fld>
+            <a:endParaRPr lang="en-US"/>
+          </a:p>
+        </p:txBody>
+      </p:sp>
+    </p:spTree>
+    <p:extLst>
+      <p:ext uri="{BB962C8B-B14F-4D97-AF65-F5344CB8AC3E}">
+        <p14:creationId xmlns:p14="http://schemas.microsoft.com/office/powerpoint/2010/main" val="532931098"/>
+      </p:ext>
+    </p:extLst>
+  </p:cSld>
+  <p:clrMapOvr>
+    <a:masterClrMapping/>
+  </p:clrMapOvr>
+</p:notes>
+</file>
+
+<file path=ppt/notesSlides/notesSlide4.xml><?xml version="1.0" encoding="utf-8"?>
+<p:notes xmlns:a="http://schemas.openxmlformats.org/drawingml/2006/main" xmlns:r="http://schemas.openxmlformats.org/officeDocument/2006/relationships" xmlns:p="http://schemas.openxmlformats.org/presentationml/2006/main">
+  <p:cSld>
+    <p:spTree>
+      <p:nvGrpSpPr>
+        <p:cNvPr id="1" name=""/>
+        <p:cNvGrpSpPr/>
+        <p:nvPr/>
+      </p:nvGrpSpPr>
+      <p:grpSpPr>
+        <a:xfrm>
+          <a:off x="0" y="0"/>
+          <a:ext cx="0" cy="0"/>
+          <a:chOff x="0" y="0"/>
+          <a:chExt cx="0" cy="0"/>
+        </a:xfrm>
+      </p:grpSpPr>
+      <p:sp>
+        <p:nvSpPr>
+          <p:cNvPr id="2" name="Slide Image Placeholder 1"/>
+          <p:cNvSpPr>
+            <a:spLocks noGrp="1" noRot="1" noChangeAspect="1"/>
+          </p:cNvSpPr>
+          <p:nvPr>
+            <p:ph type="sldImg"/>
+          </p:nvPr>
+        </p:nvSpPr>
+        <p:spPr/>
+      </p:sp>
+      <p:sp>
+        <p:nvSpPr>
+          <p:cNvPr id="3" name="Notes Placeholder 2"/>
+          <p:cNvSpPr>
+            <a:spLocks noGrp="1"/>
+          </p:cNvSpPr>
+          <p:nvPr>
+            <p:ph type="body" idx="1"/>
+          </p:nvPr>
+        </p:nvSpPr>
+        <p:spPr/>
+        <p:txBody>
+          <a:bodyPr/>
+          <a:lstStyle/>
+          <a:p>
+            <a:r>
+              <a:rPr lang="vi-VN" smtClean="0"/>
+              <a:t>Là một trình cài đặt hợp nhất: sử dụng Kubernetes để tạo ra một cụm các container dựa trên ansibe, ưu điểm nhanh, dễ sử dụng.</a:t>
+            </a:r>
+            <a:endParaRPr lang="en-US" smtClean="0"/>
+          </a:p>
+          <a:p>
+            <a:r>
+              <a:rPr lang="en-US" smtClean="0"/>
+              <a:t>Quản lý, giám sát, xác định lỗi cho các ứng dụng chỉ từ một bảng điều khiển duy nhất.</a:t>
+            </a:r>
+          </a:p>
+          <a:p>
+            <a:r>
+              <a:rPr lang="vi-VN" smtClean="0"/>
+              <a:t>Tích hợp với Docker Registry để cung cấp một dịch vụ hoạt động như một Docker Hub (một cloud-based registry). Có chức năng như Docker Hub và có thêm chức năng hạn chế người dùng.</a:t>
+            </a:r>
+            <a:endParaRPr lang="en-US" smtClean="0"/>
+          </a:p>
+          <a:p>
+            <a:r>
+              <a:rPr lang="en-US" smtClean="0"/>
+              <a:t>Catalog là một App center cung cấp một giao diện bao gồm các application có sẵn để có thể sử dụng ngay. Muốn sử dụng thêm các App ở nguồn ngoài thì có thể add thêm và hệ thống phải có kết nối internet</a:t>
+            </a:r>
+          </a:p>
+          <a:p>
+            <a:r>
+              <a:rPr lang="vi-VN" smtClean="0"/>
+              <a:t>Calalog bản chất sử dụng Helm (Kubernetes native package management system) để quản lý ứng dụng bên trong một cluster. Cộng đồng Helm mở rông liên tục và cung cấp một loạt các ứng dụng Kubernets đã được thử nghiệm và cấu hình sẵn, sẵn sàng để triển khai ngay lập tức</a:t>
+            </a:r>
+            <a:endParaRPr lang="en-US" smtClean="0"/>
+          </a:p>
+          <a:p>
+            <a:r>
+              <a:rPr lang="vi-VN" smtClean="0"/>
+              <a:t>Calico cho phép cải thiện hiệu suất và tạo ra các mạng riêng ảo. Calico có thể tạo một subnet riêng biệt cho từng dự án bên trong một cluster. Sự cách ly mạng này cung cấp bảo mật trong quá trình truyền dữ liệu và giảm nguy cơ xâm phạm ứng dụng và dữ liệu của chúng. Cách ly mạng đặc biệt quan trọng trong môi trường nơi bạn có nhiều ứng dụng đang chạy trên cùng một máy vật lý hoặc máy ảo. Calico cũng tạo các policy cho phép kiểm soát mạng</a:t>
+            </a:r>
+            <a:endParaRPr lang="en-US" smtClean="0"/>
+          </a:p>
+          <a:p>
+            <a:r>
+              <a:rPr lang="vi-VN" smtClean="0"/>
+              <a:t>Elasticsearch, Logstash, Filebeat và Heapster được sử dụng để thu thập, lưu trữ và truy vấn nhật ký và số liệu.</a:t>
+            </a:r>
+            <a:endParaRPr lang="en-US"/>
+          </a:p>
+        </p:txBody>
+      </p:sp>
+      <p:sp>
+        <p:nvSpPr>
+          <p:cNvPr id="4" name="Slide Number Placeholder 3"/>
+          <p:cNvSpPr>
+            <a:spLocks noGrp="1"/>
+          </p:cNvSpPr>
+          <p:nvPr>
+            <p:ph type="sldNum" sz="quarter" idx="10"/>
+          </p:nvPr>
+        </p:nvSpPr>
+        <p:spPr/>
+        <p:txBody>
+          <a:bodyPr/>
+          <a:lstStyle/>
+          <a:p>
+            <a:fld id="{46EF3BD1-2839-4216-A21F-D2738E6B7191}" type="slidenum">
+              <a:rPr lang="en-US" smtClean="0"/>
+              <a:t>4</a:t>
+            </a:fld>
+            <a:endParaRPr lang="en-US"/>
+          </a:p>
+        </p:txBody>
+      </p:sp>
+    </p:spTree>
+    <p:extLst>
+      <p:ext uri="{BB962C8B-B14F-4D97-AF65-F5344CB8AC3E}">
+        <p14:creationId xmlns:p14="http://schemas.microsoft.com/office/powerpoint/2010/main" val="2948006708"/>
+      </p:ext>
+    </p:extLst>
+  </p:cSld>
+  <p:clrMapOvr>
+    <a:masterClrMapping/>
+  </p:clrMapOvr>
+</p:notes>
+</file>
+
+<file path=ppt/notesSlides/notesSlide5.xml><?xml version="1.0" encoding="utf-8"?>
+<p:notes xmlns:a="http://schemas.openxmlformats.org/drawingml/2006/main" xmlns:r="http://schemas.openxmlformats.org/officeDocument/2006/relationships" xmlns:p="http://schemas.openxmlformats.org/presentationml/2006/main">
+  <p:cSld>
+    <p:spTree>
+      <p:nvGrpSpPr>
+        <p:cNvPr id="1" name=""/>
+        <p:cNvGrpSpPr/>
+        <p:nvPr/>
+      </p:nvGrpSpPr>
+      <p:grpSpPr>
+        <a:xfrm>
+          <a:off x="0" y="0"/>
+          <a:ext cx="0" cy="0"/>
+          <a:chOff x="0" y="0"/>
+          <a:chExt cx="0" cy="0"/>
+        </a:xfrm>
+      </p:grpSpPr>
+      <p:sp>
+        <p:nvSpPr>
+          <p:cNvPr id="2" name="Slide Image Placeholder 1"/>
+          <p:cNvSpPr>
+            <a:spLocks noGrp="1" noRot="1" noChangeAspect="1"/>
+          </p:cNvSpPr>
+          <p:nvPr>
+            <p:ph type="sldImg"/>
+          </p:nvPr>
+        </p:nvSpPr>
+        <p:spPr/>
+      </p:sp>
+      <p:sp>
+        <p:nvSpPr>
+          <p:cNvPr id="3" name="Notes Placeholder 2"/>
+          <p:cNvSpPr>
+            <a:spLocks noGrp="1"/>
+          </p:cNvSpPr>
+          <p:nvPr>
+            <p:ph type="body" idx="1"/>
+          </p:nvPr>
+        </p:nvSpPr>
+        <p:spPr/>
+        <p:txBody>
+          <a:bodyPr/>
+          <a:lstStyle/>
+          <a:p>
+            <a:r>
+              <a:rPr lang="vi-VN" smtClean="0"/>
+              <a:t>Boot node: là nốt để khởi động, sử dụng để chạy, cài đặt, cấu hình, mở rộng và update các node.</a:t>
+            </a:r>
+          </a:p>
+          <a:p>
+            <a:r>
+              <a:rPr lang="vi-VN" smtClean="0"/>
+              <a:t>Boot node có thể sử dụng như là boot và master node</a:t>
+            </a:r>
+          </a:p>
+          <a:p>
+            <a:r>
+              <a:rPr lang="en-US" smtClean="0"/>
+              <a:t>Master node: quản lý các worker node chịu trách nhiệm phân bổ tài nguyên, kiểm tra trạng thái, lập lịch và giám sát các worker node</a:t>
+            </a:r>
+          </a:p>
+          <a:p>
+            <a:r>
+              <a:rPr lang="vi-VN" smtClean="0"/>
+              <a:t>Worker node: Cung cấp tài nguyên làm môi trường chứ các ứng dụng và tác vụ đang chạy, có thể thêm bớt các worker node một cách dễ dàng, mỗi cluster phải có tối thiểu một worker node.</a:t>
+            </a:r>
+            <a:endParaRPr lang="en-US" smtClean="0"/>
+          </a:p>
+          <a:p>
+            <a:r>
+              <a:rPr lang="vi-VN" smtClean="0"/>
+              <a:t>Proxy node: là một nút nhận các yêu cầu từ bên ngoài vào đến các dịch vụ bên trong cluster. Một Proxy node có thể đảm nhận cả Master node và proxy node. Nếu muốn sử dụng HA Cluster thì có thể dựng nhiều hơn một proxy node</a:t>
+            </a:r>
+            <a:endParaRPr lang="en-US" smtClean="0"/>
+          </a:p>
+          <a:p>
+            <a:r>
+              <a:rPr lang="vi-VN" smtClean="0"/>
+              <a:t>Management node: (option) sử dụng để chứa các dịch vụ quản lý như giám sát, đo các thông số và activity logs. Master node có thể đảm nhiệm luôn Management nodes nhưng nếu sử dụng management node có thể giảm tải cho master node. </a:t>
+            </a:r>
+            <a:endParaRPr lang="en-US"/>
+          </a:p>
+        </p:txBody>
+      </p:sp>
+      <p:sp>
+        <p:nvSpPr>
+          <p:cNvPr id="4" name="Slide Number Placeholder 3"/>
+          <p:cNvSpPr>
+            <a:spLocks noGrp="1"/>
+          </p:cNvSpPr>
+          <p:nvPr>
+            <p:ph type="sldNum" sz="quarter" idx="10"/>
+          </p:nvPr>
+        </p:nvSpPr>
+        <p:spPr/>
+        <p:txBody>
+          <a:bodyPr/>
+          <a:lstStyle/>
+          <a:p>
+            <a:fld id="{46EF3BD1-2839-4216-A21F-D2738E6B7191}" type="slidenum">
+              <a:rPr lang="en-US" smtClean="0"/>
+              <a:t>5</a:t>
+            </a:fld>
+            <a:endParaRPr lang="en-US"/>
+          </a:p>
+        </p:txBody>
+      </p:sp>
+    </p:spTree>
+    <p:extLst>
+      <p:ext uri="{BB962C8B-B14F-4D97-AF65-F5344CB8AC3E}">
+        <p14:creationId xmlns:p14="http://schemas.microsoft.com/office/powerpoint/2010/main" val="2558530213"/>
+      </p:ext>
+    </p:extLst>
+  </p:cSld>
+  <p:clrMapOvr>
+    <a:masterClrMapping/>
+  </p:clrMapOvr>
+</p:notes>
+</file>
+
+<file path=ppt/notesSlides/notesSlide6.xml><?xml version="1.0" encoding="utf-8"?>
+<p:notes xmlns:a="http://schemas.openxmlformats.org/drawingml/2006/main" xmlns:r="http://schemas.openxmlformats.org/officeDocument/2006/relationships" xmlns:p="http://schemas.openxmlformats.org/presentationml/2006/main">
+  <p:cSld>
+    <p:spTree>
+      <p:nvGrpSpPr>
+        <p:cNvPr id="1" name=""/>
+        <p:cNvGrpSpPr/>
+        <p:nvPr/>
+      </p:nvGrpSpPr>
+      <p:grpSpPr>
+        <a:xfrm>
+          <a:off x="0" y="0"/>
+          <a:ext cx="0" cy="0"/>
+          <a:chOff x="0" y="0"/>
+          <a:chExt cx="0" cy="0"/>
+        </a:xfrm>
+      </p:grpSpPr>
+      <p:sp>
+        <p:nvSpPr>
+          <p:cNvPr id="2" name="Slide Image Placeholder 1"/>
+          <p:cNvSpPr>
+            <a:spLocks noGrp="1" noRot="1" noChangeAspect="1"/>
+          </p:cNvSpPr>
+          <p:nvPr>
+            <p:ph type="sldImg"/>
+          </p:nvPr>
+        </p:nvSpPr>
+        <p:spPr/>
+      </p:sp>
+      <p:sp>
+        <p:nvSpPr>
+          <p:cNvPr id="3" name="Notes Placeholder 2"/>
+          <p:cNvSpPr>
+            <a:spLocks noGrp="1"/>
+          </p:cNvSpPr>
+          <p:nvPr>
+            <p:ph type="body" idx="1"/>
+          </p:nvPr>
+        </p:nvSpPr>
+        <p:spPr/>
+        <p:txBody>
+          <a:bodyPr/>
+          <a:lstStyle/>
+          <a:p>
+            <a:endParaRPr lang="en-US"/>
+          </a:p>
+        </p:txBody>
+      </p:sp>
+      <p:sp>
+        <p:nvSpPr>
+          <p:cNvPr id="4" name="Slide Number Placeholder 3"/>
+          <p:cNvSpPr>
+            <a:spLocks noGrp="1"/>
+          </p:cNvSpPr>
+          <p:nvPr>
+            <p:ph type="sldNum" sz="quarter" idx="10"/>
+          </p:nvPr>
+        </p:nvSpPr>
+        <p:spPr/>
+        <p:txBody>
+          <a:bodyPr/>
+          <a:lstStyle/>
+          <a:p>
+            <a:fld id="{46EF3BD1-2839-4216-A21F-D2738E6B7191}" type="slidenum">
+              <a:rPr lang="en-US" smtClean="0"/>
+              <a:t>6</a:t>
+            </a:fld>
+            <a:endParaRPr lang="en-US"/>
+          </a:p>
+        </p:txBody>
+      </p:sp>
+    </p:spTree>
+    <p:extLst>
+      <p:ext uri="{BB962C8B-B14F-4D97-AF65-F5344CB8AC3E}">
+        <p14:creationId xmlns:p14="http://schemas.microsoft.com/office/powerpoint/2010/main" val="335750992"/>
+      </p:ext>
+    </p:extLst>
+  </p:cSld>
+  <p:clrMapOvr>
+    <a:masterClrMapping/>
+  </p:clrMapOvr>
+</p:notes>
 </file>
 
 <file path=ppt/slideLayouts/slideLayout1.xml><?xml version="1.0" encoding="utf-8"?>
@@ -3045,7 +4025,7 @@
         </p:nvSpPr>
         <p:spPr>
           <a:xfrm>
-            <a:off x="0" y="3509963"/>
+            <a:off x="0" y="3617539"/>
             <a:ext cx="12192000" cy="3348037"/>
           </a:xfrm>
         </p:spPr>
@@ -3141,47 +4121,6 @@
       <p:pic>
         <p:nvPicPr>
           <p:cNvPr id="1028" name="Picture 4" descr="Káº¿t quáº£ hÃ¬nh áº£nh cho ibm cloud private"/>
-          <p:cNvPicPr>
-            <a:picLocks noChangeAspect="1" noChangeArrowheads="1"/>
-          </p:cNvPicPr>
-          <p:nvPr/>
-        </p:nvPicPr>
-        <p:blipFill>
-          <a:blip r:embed="rId2" cstate="print">
-            <a:extLst>
-              <a:ext uri="{28A0092B-C50C-407E-A947-70E740481C1C}">
-                <a14:useLocalDpi xmlns:a14="http://schemas.microsoft.com/office/drawing/2010/main" val="0"/>
-              </a:ext>
-            </a:extLst>
-          </a:blip>
-          <a:srcRect/>
-          <a:stretch>
-            <a:fillRect/>
-          </a:stretch>
-        </p:blipFill>
-        <p:spPr bwMode="auto">
-          <a:xfrm>
-            <a:off x="0" y="0"/>
-            <a:ext cx="1524000" cy="1605852"/>
-          </a:xfrm>
-          <a:prstGeom prst="rect">
-            <a:avLst/>
-          </a:prstGeom>
-          <a:noFill/>
-          <a:extLst>
-            <a:ext uri="{909E8E84-426E-40DD-AFC4-6F175D3DCCD1}">
-              <a14:hiddenFill xmlns:a14="http://schemas.microsoft.com/office/drawing/2010/main">
-                <a:solidFill>
-                  <a:srgbClr val="FFFFFF"/>
-                </a:solidFill>
-              </a14:hiddenFill>
-            </a:ext>
-          </a:extLst>
-        </p:spPr>
-      </p:pic>
-      <p:pic>
-        <p:nvPicPr>
-          <p:cNvPr id="1030" name="Picture 6" descr="Káº¿t quáº£ hÃ¬nh áº£nh cho ibm cloud private"/>
           <p:cNvPicPr>
             <a:picLocks noChangeAspect="1" noChangeArrowheads="1"/>
           </p:cNvPicPr>
@@ -3202,8 +4141,90 @@
         </p:blipFill>
         <p:spPr bwMode="auto">
           <a:xfrm>
+            <a:off x="0" y="0"/>
+            <a:ext cx="1524000" cy="1605852"/>
+          </a:xfrm>
+          <a:prstGeom prst="rect">
+            <a:avLst/>
+          </a:prstGeom>
+          <a:noFill/>
+          <a:extLst>
+            <a:ext uri="{909E8E84-426E-40DD-AFC4-6F175D3DCCD1}">
+              <a14:hiddenFill xmlns:a14="http://schemas.microsoft.com/office/drawing/2010/main">
+                <a:solidFill>
+                  <a:srgbClr val="FFFFFF"/>
+                </a:solidFill>
+              </a14:hiddenFill>
+            </a:ext>
+          </a:extLst>
+        </p:spPr>
+      </p:pic>
+      <p:pic>
+        <p:nvPicPr>
+          <p:cNvPr id="1030" name="Picture 6" descr="Káº¿t quáº£ hÃ¬nh áº£nh cho ibm cloud private"/>
+          <p:cNvPicPr>
+            <a:picLocks noChangeAspect="1" noChangeArrowheads="1"/>
+          </p:cNvPicPr>
+          <p:nvPr/>
+        </p:nvPicPr>
+        <p:blipFill>
+          <a:blip r:embed="rId4" cstate="print">
+            <a:extLst>
+              <a:ext uri="{28A0092B-C50C-407E-A947-70E740481C1C}">
+                <a14:useLocalDpi xmlns:a14="http://schemas.microsoft.com/office/drawing/2010/main" val="0"/>
+              </a:ext>
+            </a:extLst>
+          </a:blip>
+          <a:srcRect/>
+          <a:stretch>
+            <a:fillRect/>
+          </a:stretch>
+        </p:blipFill>
+        <p:spPr bwMode="auto">
+          <a:xfrm>
             <a:off x="9806081" y="5583237"/>
             <a:ext cx="2385919" cy="1274763"/>
+          </a:xfrm>
+          <a:prstGeom prst="rect">
+            <a:avLst/>
+          </a:prstGeom>
+          <a:noFill/>
+          <a:extLst>
+            <a:ext uri="{909E8E84-426E-40DD-AFC4-6F175D3DCCD1}">
+              <a14:hiddenFill xmlns:a14="http://schemas.microsoft.com/office/drawing/2010/main">
+                <a:solidFill>
+                  <a:srgbClr val="FFFFFF"/>
+                </a:solidFill>
+              </a14:hiddenFill>
+            </a:ext>
+          </a:extLst>
+        </p:spPr>
+      </p:pic>
+      <p:pic>
+        <p:nvPicPr>
+          <p:cNvPr id="1026" name="Picture 2" descr="Káº¿t quáº£ hÃ¬nh áº£nh cho ibm"/>
+          <p:cNvPicPr>
+            <a:picLocks noChangeAspect="1" noChangeArrowheads="1"/>
+          </p:cNvPicPr>
+          <p:nvPr/>
+        </p:nvPicPr>
+        <p:blipFill>
+          <a:blip r:embed="rId5">
+            <a:extLst>
+              <a:ext uri="{28A0092B-C50C-407E-A947-70E740481C1C}">
+                <a14:useLocalDpi xmlns:a14="http://schemas.microsoft.com/office/drawing/2010/main" val="0"/>
+              </a:ext>
+            </a:extLst>
+          </a:blip>
+          <a:srcRect/>
+          <a:stretch>
+            <a:fillRect/>
+          </a:stretch>
+        </p:blipFill>
+        <p:spPr bwMode="auto">
+          <a:xfrm>
+            <a:off x="10533435" y="6060726"/>
+            <a:ext cx="931209" cy="931209"/>
           </a:xfrm>
           <a:prstGeom prst="rect">
             <a:avLst/>
@@ -3359,10 +4380,6 @@
               </a:rPr>
               <a:t>Editions</a:t>
             </a:r>
-            <a:endParaRPr lang="en-US" smtClean="0">
-              <a:latin typeface="Times New Roman" panose="02020603050405020304" pitchFamily="18" charset="0"/>
-              <a:cs typeface="Times New Roman" panose="02020603050405020304" pitchFamily="18" charset="0"/>
-            </a:endParaRPr>
           </a:p>
         </p:txBody>
       </p:sp>
@@ -3408,47 +4425,6 @@
       <p:pic>
         <p:nvPicPr>
           <p:cNvPr id="1028" name="Picture 4" descr="Káº¿t quáº£ hÃ¬nh áº£nh cho ibm cloud private"/>
-          <p:cNvPicPr>
-            <a:picLocks noChangeAspect="1" noChangeArrowheads="1"/>
-          </p:cNvPicPr>
-          <p:nvPr/>
-        </p:nvPicPr>
-        <p:blipFill>
-          <a:blip r:embed="rId2" cstate="print">
-            <a:extLst>
-              <a:ext uri="{28A0092B-C50C-407E-A947-70E740481C1C}">
-                <a14:useLocalDpi xmlns:a14="http://schemas.microsoft.com/office/drawing/2010/main" val="0"/>
-              </a:ext>
-            </a:extLst>
-          </a:blip>
-          <a:srcRect/>
-          <a:stretch>
-            <a:fillRect/>
-          </a:stretch>
-        </p:blipFill>
-        <p:spPr bwMode="auto">
-          <a:xfrm>
-            <a:off x="0" y="0"/>
-            <a:ext cx="1524000" cy="1605852"/>
-          </a:xfrm>
-          <a:prstGeom prst="rect">
-            <a:avLst/>
-          </a:prstGeom>
-          <a:noFill/>
-          <a:extLst>
-            <a:ext uri="{909E8E84-426E-40DD-AFC4-6F175D3DCCD1}">
-              <a14:hiddenFill xmlns:a14="http://schemas.microsoft.com/office/drawing/2010/main">
-                <a:solidFill>
-                  <a:srgbClr val="FFFFFF"/>
-                </a:solidFill>
-              </a14:hiddenFill>
-            </a:ext>
-          </a:extLst>
-        </p:spPr>
-      </p:pic>
-      <p:pic>
-        <p:nvPicPr>
-          <p:cNvPr id="6" name="Picture 6" descr="Káº¿t quáº£ hÃ¬nh áº£nh cho ibm cloud private"/>
           <p:cNvPicPr>
             <a:picLocks noChangeAspect="1" noChangeArrowheads="1"/>
           </p:cNvPicPr>
@@ -3469,8 +4445,90 @@
         </p:blipFill>
         <p:spPr bwMode="auto">
           <a:xfrm>
+            <a:off x="0" y="0"/>
+            <a:ext cx="1524000" cy="1605852"/>
+          </a:xfrm>
+          <a:prstGeom prst="rect">
+            <a:avLst/>
+          </a:prstGeom>
+          <a:noFill/>
+          <a:extLst>
+            <a:ext uri="{909E8E84-426E-40DD-AFC4-6F175D3DCCD1}">
+              <a14:hiddenFill xmlns:a14="http://schemas.microsoft.com/office/drawing/2010/main">
+                <a:solidFill>
+                  <a:srgbClr val="FFFFFF"/>
+                </a:solidFill>
+              </a14:hiddenFill>
+            </a:ext>
+          </a:extLst>
+        </p:spPr>
+      </p:pic>
+      <p:pic>
+        <p:nvPicPr>
+          <p:cNvPr id="6" name="Picture 6" descr="Káº¿t quáº£ hÃ¬nh áº£nh cho ibm cloud private"/>
+          <p:cNvPicPr>
+            <a:picLocks noChangeAspect="1" noChangeArrowheads="1"/>
+          </p:cNvPicPr>
+          <p:nvPr/>
+        </p:nvPicPr>
+        <p:blipFill>
+          <a:blip r:embed="rId4" cstate="print">
+            <a:extLst>
+              <a:ext uri="{28A0092B-C50C-407E-A947-70E740481C1C}">
+                <a14:useLocalDpi xmlns:a14="http://schemas.microsoft.com/office/drawing/2010/main" val="0"/>
+              </a:ext>
+            </a:extLst>
+          </a:blip>
+          <a:srcRect/>
+          <a:stretch>
+            <a:fillRect/>
+          </a:stretch>
+        </p:blipFill>
+        <p:spPr bwMode="auto">
+          <a:xfrm>
             <a:off x="9806081" y="5583237"/>
             <a:ext cx="2385919" cy="1274763"/>
+          </a:xfrm>
+          <a:prstGeom prst="rect">
+            <a:avLst/>
+          </a:prstGeom>
+          <a:noFill/>
+          <a:extLst>
+            <a:ext uri="{909E8E84-426E-40DD-AFC4-6F175D3DCCD1}">
+              <a14:hiddenFill xmlns:a14="http://schemas.microsoft.com/office/drawing/2010/main">
+                <a:solidFill>
+                  <a:srgbClr val="FFFFFF"/>
+                </a:solidFill>
+              </a14:hiddenFill>
+            </a:ext>
+          </a:extLst>
+        </p:spPr>
+      </p:pic>
+      <p:pic>
+        <p:nvPicPr>
+          <p:cNvPr id="7" name="Picture 2" descr="Káº¿t quáº£ hÃ¬nh áº£nh cho ibm"/>
+          <p:cNvPicPr>
+            <a:picLocks noChangeAspect="1" noChangeArrowheads="1"/>
+          </p:cNvPicPr>
+          <p:nvPr/>
+        </p:nvPicPr>
+        <p:blipFill>
+          <a:blip r:embed="rId5">
+            <a:extLst>
+              <a:ext uri="{28A0092B-C50C-407E-A947-70E740481C1C}">
+                <a14:useLocalDpi xmlns:a14="http://schemas.microsoft.com/office/drawing/2010/main" val="0"/>
+              </a:ext>
+            </a:extLst>
+          </a:blip>
+          <a:srcRect/>
+          <a:stretch>
+            <a:fillRect/>
+          </a:stretch>
+        </p:blipFill>
+        <p:spPr bwMode="auto">
+          <a:xfrm>
+            <a:off x="10533435" y="6060726"/>
+            <a:ext cx="931209" cy="931209"/>
           </a:xfrm>
           <a:prstGeom prst="rect">
             <a:avLst/>
@@ -3745,7 +4803,7 @@
           <p:nvPr/>
         </p:nvPicPr>
         <p:blipFill>
-          <a:blip r:embed="rId2" cstate="print">
+          <a:blip r:embed="rId3" cstate="print">
             <a:extLst>
               <a:ext uri="{28A0092B-C50C-407E-A947-70E740481C1C}">
                 <a14:useLocalDpi xmlns:a14="http://schemas.microsoft.com/office/drawing/2010/main" val="0"/>
@@ -3842,7 +4900,7 @@
           <p:nvPr/>
         </p:nvPicPr>
         <p:blipFill>
-          <a:blip r:embed="rId3" cstate="print">
+          <a:blip r:embed="rId4" cstate="print">
             <a:extLst>
               <a:ext uri="{28A0092B-C50C-407E-A947-70E740481C1C}">
                 <a14:useLocalDpi xmlns:a14="http://schemas.microsoft.com/office/drawing/2010/main" val="0"/>
@@ -3858,6 +4916,47 @@
           <a:xfrm>
             <a:off x="9806081" y="5583237"/>
             <a:ext cx="2385919" cy="1274763"/>
+          </a:xfrm>
+          <a:prstGeom prst="rect">
+            <a:avLst/>
+          </a:prstGeom>
+          <a:noFill/>
+          <a:extLst>
+            <a:ext uri="{909E8E84-426E-40DD-AFC4-6F175D3DCCD1}">
+              <a14:hiddenFill xmlns:a14="http://schemas.microsoft.com/office/drawing/2010/main">
+                <a:solidFill>
+                  <a:srgbClr val="FFFFFF"/>
+                </a:solidFill>
+              </a14:hiddenFill>
+            </a:ext>
+          </a:extLst>
+        </p:spPr>
+      </p:pic>
+      <p:pic>
+        <p:nvPicPr>
+          <p:cNvPr id="8" name="Picture 2" descr="Káº¿t quáº£ hÃ¬nh áº£nh cho ibm"/>
+          <p:cNvPicPr>
+            <a:picLocks noChangeAspect="1" noChangeArrowheads="1"/>
+          </p:cNvPicPr>
+          <p:nvPr/>
+        </p:nvPicPr>
+        <p:blipFill>
+          <a:blip r:embed="rId5">
+            <a:extLst>
+              <a:ext uri="{28A0092B-C50C-407E-A947-70E740481C1C}">
+                <a14:useLocalDpi xmlns:a14="http://schemas.microsoft.com/office/drawing/2010/main" val="0"/>
+              </a:ext>
+            </a:extLst>
+          </a:blip>
+          <a:srcRect/>
+          <a:stretch>
+            <a:fillRect/>
+          </a:stretch>
+        </p:blipFill>
+        <p:spPr bwMode="auto">
+          <a:xfrm>
+            <a:off x="10533435" y="6060726"/>
+            <a:ext cx="931209" cy="931209"/>
           </a:xfrm>
           <a:prstGeom prst="rect">
             <a:avLst/>
@@ -4131,7 +5230,7 @@
           <p:nvPr/>
         </p:nvPicPr>
         <p:blipFill>
-          <a:blip r:embed="rId2" cstate="print">
+          <a:blip r:embed="rId3" cstate="print">
             <a:extLst>
               <a:ext uri="{28A0092B-C50C-407E-A947-70E740481C1C}">
                 <a14:useLocalDpi xmlns:a14="http://schemas.microsoft.com/office/drawing/2010/main" val="0"/>
@@ -4228,7 +5327,7 @@
           <p:nvPr/>
         </p:nvPicPr>
         <p:blipFill>
-          <a:blip r:embed="rId3" cstate="print">
+          <a:blip r:embed="rId4" cstate="print">
             <a:extLst>
               <a:ext uri="{28A0092B-C50C-407E-A947-70E740481C1C}">
                 <a14:useLocalDpi xmlns:a14="http://schemas.microsoft.com/office/drawing/2010/main" val="0"/>
@@ -4244,6 +5343,47 @@
           <a:xfrm>
             <a:off x="9806081" y="5583237"/>
             <a:ext cx="2385919" cy="1274763"/>
+          </a:xfrm>
+          <a:prstGeom prst="rect">
+            <a:avLst/>
+          </a:prstGeom>
+          <a:noFill/>
+          <a:extLst>
+            <a:ext uri="{909E8E84-426E-40DD-AFC4-6F175D3DCCD1}">
+              <a14:hiddenFill xmlns:a14="http://schemas.microsoft.com/office/drawing/2010/main">
+                <a:solidFill>
+                  <a:srgbClr val="FFFFFF"/>
+                </a:solidFill>
+              </a14:hiddenFill>
+            </a:ext>
+          </a:extLst>
+        </p:spPr>
+      </p:pic>
+      <p:pic>
+        <p:nvPicPr>
+          <p:cNvPr id="8" name="Picture 2" descr="Káº¿t quáº£ hÃ¬nh áº£nh cho ibm"/>
+          <p:cNvPicPr>
+            <a:picLocks noChangeAspect="1" noChangeArrowheads="1"/>
+          </p:cNvPicPr>
+          <p:nvPr/>
+        </p:nvPicPr>
+        <p:blipFill>
+          <a:blip r:embed="rId5">
+            <a:extLst>
+              <a:ext uri="{28A0092B-C50C-407E-A947-70E740481C1C}">
+                <a14:useLocalDpi xmlns:a14="http://schemas.microsoft.com/office/drawing/2010/main" val="0"/>
+              </a:ext>
+            </a:extLst>
+          </a:blip>
+          <a:srcRect/>
+          <a:stretch>
+            <a:fillRect/>
+          </a:stretch>
+        </p:blipFill>
+        <p:spPr bwMode="auto">
+          <a:xfrm>
+            <a:off x="10533435" y="6060726"/>
+            <a:ext cx="931209" cy="931209"/>
           </a:xfrm>
           <a:prstGeom prst="rect">
             <a:avLst/>
@@ -4482,7 +5622,7 @@
           <p:nvPr/>
         </p:nvPicPr>
         <p:blipFill>
-          <a:blip r:embed="rId2" cstate="print">
+          <a:blip r:embed="rId3" cstate="print">
             <a:extLst>
               <a:ext uri="{28A0092B-C50C-407E-A947-70E740481C1C}">
                 <a14:useLocalDpi xmlns:a14="http://schemas.microsoft.com/office/drawing/2010/main" val="0"/>
@@ -4579,7 +5719,7 @@
           <p:nvPr/>
         </p:nvPicPr>
         <p:blipFill>
-          <a:blip r:embed="rId3" cstate="print">
+          <a:blip r:embed="rId4" cstate="print">
             <a:extLst>
               <a:ext uri="{28A0092B-C50C-407E-A947-70E740481C1C}">
                 <a14:useLocalDpi xmlns:a14="http://schemas.microsoft.com/office/drawing/2010/main" val="0"/>
@@ -4595,6 +5735,47 @@
           <a:xfrm>
             <a:off x="9806081" y="5583237"/>
             <a:ext cx="2385919" cy="1274763"/>
+          </a:xfrm>
+          <a:prstGeom prst="rect">
+            <a:avLst/>
+          </a:prstGeom>
+          <a:noFill/>
+          <a:extLst>
+            <a:ext uri="{909E8E84-426E-40DD-AFC4-6F175D3DCCD1}">
+              <a14:hiddenFill xmlns:a14="http://schemas.microsoft.com/office/drawing/2010/main">
+                <a:solidFill>
+                  <a:srgbClr val="FFFFFF"/>
+                </a:solidFill>
+              </a14:hiddenFill>
+            </a:ext>
+          </a:extLst>
+        </p:spPr>
+      </p:pic>
+      <p:pic>
+        <p:nvPicPr>
+          <p:cNvPr id="8" name="Picture 2" descr="Káº¿t quáº£ hÃ¬nh áº£nh cho ibm"/>
+          <p:cNvPicPr>
+            <a:picLocks noChangeAspect="1" noChangeArrowheads="1"/>
+          </p:cNvPicPr>
+          <p:nvPr/>
+        </p:nvPicPr>
+        <p:blipFill>
+          <a:blip r:embed="rId5">
+            <a:extLst>
+              <a:ext uri="{28A0092B-C50C-407E-A947-70E740481C1C}">
+                <a14:useLocalDpi xmlns:a14="http://schemas.microsoft.com/office/drawing/2010/main" val="0"/>
+              </a:ext>
+            </a:extLst>
+          </a:blip>
+          <a:srcRect/>
+          <a:stretch>
+            <a:fillRect/>
+          </a:stretch>
+        </p:blipFill>
+        <p:spPr bwMode="auto">
+          <a:xfrm>
+            <a:off x="10533435" y="6060726"/>
+            <a:ext cx="931209" cy="931209"/>
           </a:xfrm>
           <a:prstGeom prst="rect">
             <a:avLst/>
@@ -4758,7 +5939,7 @@
           <p:nvPr/>
         </p:nvPicPr>
         <p:blipFill>
-          <a:blip r:embed="rId2" cstate="print">
+          <a:blip r:embed="rId3" cstate="print">
             <a:extLst>
               <a:ext uri="{28A0092B-C50C-407E-A947-70E740481C1C}">
                 <a14:useLocalDpi xmlns:a14="http://schemas.microsoft.com/office/drawing/2010/main" val="0"/>
@@ -4862,7 +6043,7 @@
           <p:nvPr/>
         </p:nvPicPr>
         <p:blipFill>
-          <a:blip r:embed="rId3" cstate="print">
+          <a:blip r:embed="rId4" cstate="print">
             <a:extLst>
               <a:ext uri="{28A0092B-C50C-407E-A947-70E740481C1C}">
                 <a14:useLocalDpi xmlns:a14="http://schemas.microsoft.com/office/drawing/2010/main" val="0"/>
@@ -4903,7 +6084,7 @@
           <p:nvPr/>
         </p:nvPicPr>
         <p:blipFill>
-          <a:blip r:embed="rId4">
+          <a:blip r:embed="rId5">
             <a:extLst>
               <a:ext uri="{28A0092B-C50C-407E-A947-70E740481C1C}">
                 <a14:useLocalDpi xmlns:a14="http://schemas.microsoft.com/office/drawing/2010/main" val="0"/>
@@ -4917,7 +6098,7 @@
         </p:blipFill>
         <p:spPr bwMode="auto">
           <a:xfrm>
-            <a:off x="0" y="1968923"/>
+            <a:off x="-4763" y="1968923"/>
             <a:ext cx="9990723" cy="4889077"/>
           </a:xfrm>
           <a:prstGeom prst="rect">
@@ -4944,6 +6125,47 @@
                 <a:headEnd/>
                 <a:tailEnd/>
               </a14:hiddenLine>
+            </a:ext>
+          </a:extLst>
+        </p:spPr>
+      </p:pic>
+      <p:pic>
+        <p:nvPicPr>
+          <p:cNvPr id="9" name="Picture 2" descr="Káº¿t quáº£ hÃ¬nh áº£nh cho ibm"/>
+          <p:cNvPicPr>
+            <a:picLocks noChangeAspect="1" noChangeArrowheads="1"/>
+          </p:cNvPicPr>
+          <p:nvPr/>
+        </p:nvPicPr>
+        <p:blipFill>
+          <a:blip r:embed="rId6">
+            <a:extLst>
+              <a:ext uri="{28A0092B-C50C-407E-A947-70E740481C1C}">
+                <a14:useLocalDpi xmlns:a14="http://schemas.microsoft.com/office/drawing/2010/main" val="0"/>
+              </a:ext>
+            </a:extLst>
+          </a:blip>
+          <a:srcRect/>
+          <a:stretch>
+            <a:fillRect/>
+          </a:stretch>
+        </p:blipFill>
+        <p:spPr bwMode="auto">
+          <a:xfrm>
+            <a:off x="10533435" y="6060726"/>
+            <a:ext cx="931209" cy="931209"/>
+          </a:xfrm>
+          <a:prstGeom prst="rect">
+            <a:avLst/>
+          </a:prstGeom>
+          <a:noFill/>
+          <a:extLst>
+            <a:ext uri="{909E8E84-426E-40DD-AFC4-6F175D3DCCD1}">
+              <a14:hiddenFill xmlns:a14="http://schemas.microsoft.com/office/drawing/2010/main">
+                <a:solidFill>
+                  <a:srgbClr val="FFFFFF"/>
+                </a:solidFill>
+              </a14:hiddenFill>
             </a:ext>
           </a:extLst>
         </p:spPr>
@@ -5227,4 +6449,265 @@
     </a:ext>
   </a:extLst>
 </a:theme>
+</file>
+
+<file path=ppt/theme/theme2.xml><?xml version="1.0" encoding="utf-8"?>
+<a:theme xmlns:a="http://schemas.openxmlformats.org/drawingml/2006/main" name="Office Theme">
+  <a:themeElements>
+    <a:clrScheme name="Office">
+      <a:dk1>
+        <a:sysClr val="windowText" lastClr="000000"/>
+      </a:dk1>
+      <a:lt1>
+        <a:sysClr val="window" lastClr="FFFFFF"/>
+      </a:lt1>
+      <a:dk2>
+        <a:srgbClr val="44546A"/>
+      </a:dk2>
+      <a:lt2>
+        <a:srgbClr val="E7E6E6"/>
+      </a:lt2>
+      <a:accent1>
+        <a:srgbClr val="5B9BD5"/>
+      </a:accent1>
+      <a:accent2>
+        <a:srgbClr val="ED7D31"/>
+      </a:accent2>
+      <a:accent3>
+        <a:srgbClr val="A5A5A5"/>
+      </a:accent3>
+      <a:accent4>
+        <a:srgbClr val="FFC000"/>
+      </a:accent4>
+      <a:accent5>
+        <a:srgbClr val="4472C4"/>
+      </a:accent5>
+      <a:accent6>
+        <a:srgbClr val="70AD47"/>
+      </a:accent6>
+      <a:hlink>
+        <a:srgbClr val="0563C1"/>
+      </a:hlink>
+      <a:folHlink>
+        <a:srgbClr val="954F72"/>
+      </a:folHlink>
+    </a:clrScheme>
+    <a:fontScheme name="Office">
+      <a:majorFont>
+        <a:latin typeface="Calibri Light" panose="020F0302020204030204"/>
+        <a:ea typeface=""/>
+        <a:cs typeface=""/>
+        <a:font script="Jpan" typeface="ＭＳ Ｐゴシック"/>
+        <a:font script="Hang" typeface="맑은 고딕"/>
+        <a:font script="Hans" typeface="宋体"/>
+        <a:font script="Hant" typeface="新細明體"/>
+        <a:font script="Arab" typeface="Times New Roman"/>
+        <a:font script="Hebr" typeface="Times New Roman"/>
+        <a:font script="Thai" typeface="Angsana New"/>
+        <a:font script="Ethi" typeface="Nyala"/>
+        <a:font script="Beng" typeface="Vrinda"/>
+        <a:font script="Gujr" typeface="Shruti"/>
+        <a:font script="Khmr" typeface="MoolBoran"/>
+        <a:font script="Knda" typeface="Tunga"/>
+        <a:font script="Guru" typeface="Raavi"/>
+        <a:font script="Cans" typeface="Euphemia"/>
+        <a:font script="Cher" typeface="Plantagenet Cherokee"/>
+        <a:font script="Yiii" typeface="Microsoft Yi Baiti"/>
+        <a:font script="Tibt" typeface="Microsoft Himalaya"/>
+        <a:font script="Thaa" typeface="MV Boli"/>
+        <a:font script="Deva" typeface="Mangal"/>
+        <a:font script="Telu" typeface="Gautami"/>
+        <a:font script="Taml" typeface="Latha"/>
+        <a:font script="Syrc" typeface="Estrangelo Edessa"/>
+        <a:font script="Orya" typeface="Kalinga"/>
+        <a:font script="Mlym" typeface="Kartika"/>
+        <a:font script="Laoo" typeface="DokChampa"/>
+        <a:font script="Sinh" typeface="Iskoola Pota"/>
+        <a:font script="Mong" typeface="Mongolian Baiti"/>
+        <a:font script="Viet" typeface="Times New Roman"/>
+        <a:font script="Uigh" typeface="Microsoft Uighur"/>
+        <a:font script="Geor" typeface="Sylfaen"/>
+      </a:majorFont>
+      <a:minorFont>
+        <a:latin typeface="Calibri" panose="020F0502020204030204"/>
+        <a:ea typeface=""/>
+        <a:cs typeface=""/>
+        <a:font script="Jpan" typeface="ＭＳ Ｐゴシック"/>
+        <a:font script="Hang" typeface="맑은 고딕"/>
+        <a:font script="Hans" typeface="宋体"/>
+        <a:font script="Hant" typeface="新細明體"/>
+        <a:font script="Arab" typeface="Arial"/>
+        <a:font script="Hebr" typeface="Arial"/>
+        <a:font script="Thai" typeface="Cordia New"/>
+        <a:font script="Ethi" typeface="Nyala"/>
+        <a:font script="Beng" typeface="Vrinda"/>
+        <a:font script="Gujr" typeface="Shruti"/>
+        <a:font script="Khmr" typeface="DaunPenh"/>
+        <a:font script="Knda" typeface="Tunga"/>
+        <a:font script="Guru" typeface="Raavi"/>
+        <a:font script="Cans" typeface="Euphemia"/>
+        <a:font script="Cher" typeface="Plantagenet Cherokee"/>
+        <a:font script="Yiii" typeface="Microsoft Yi Baiti"/>
+        <a:font script="Tibt" typeface="Microsoft Himalaya"/>
+        <a:font script="Thaa" typeface="MV Boli"/>
+        <a:font script="Deva" typeface="Mangal"/>
+        <a:font script="Telu" typeface="Gautami"/>
+        <a:font script="Taml" typeface="Latha"/>
+        <a:font script="Syrc" typeface="Estrangelo Edessa"/>
+        <a:font script="Orya" typeface="Kalinga"/>
+        <a:font script="Mlym" typeface="Kartika"/>
+        <a:font script="Laoo" typeface="DokChampa"/>
+        <a:font script="Sinh" typeface="Iskoola Pota"/>
+        <a:font script="Mong" typeface="Mongolian Baiti"/>
+        <a:font script="Viet" typeface="Arial"/>
+        <a:font script="Uigh" typeface="Microsoft Uighur"/>
+        <a:font script="Geor" typeface="Sylfaen"/>
+      </a:minorFont>
+    </a:fontScheme>
+    <a:fmtScheme name="Office">
+      <a:fillStyleLst>
+        <a:solidFill>
+          <a:schemeClr val="phClr"/>
+        </a:solidFill>
+        <a:gradFill rotWithShape="1">
+          <a:gsLst>
+            <a:gs pos="0">
+              <a:schemeClr val="phClr">
+                <a:lumMod val="110000"/>
+                <a:satMod val="105000"/>
+                <a:tint val="67000"/>
+              </a:schemeClr>
+            </a:gs>
+            <a:gs pos="50000">
+              <a:schemeClr val="phClr">
+                <a:lumMod val="105000"/>
+                <a:satMod val="103000"/>
+                <a:tint val="73000"/>
+              </a:schemeClr>
+            </a:gs>
+            <a:gs pos="100000">
+              <a:schemeClr val="phClr">
+                <a:lumMod val="105000"/>
+                <a:satMod val="109000"/>
+                <a:tint val="81000"/>
+              </a:schemeClr>
+            </a:gs>
+          </a:gsLst>
+          <a:lin ang="5400000" scaled="0"/>
+        </a:gradFill>
+        <a:gradFill rotWithShape="1">
+          <a:gsLst>
+            <a:gs pos="0">
+              <a:schemeClr val="phClr">
+                <a:satMod val="103000"/>
+                <a:lumMod val="102000"/>
+                <a:tint val="94000"/>
+              </a:schemeClr>
+            </a:gs>
+            <a:gs pos="50000">
+              <a:schemeClr val="phClr">
+                <a:satMod val="110000"/>
+                <a:lumMod val="100000"/>
+                <a:shade val="100000"/>
+              </a:schemeClr>
+            </a:gs>
+            <a:gs pos="100000">
+              <a:schemeClr val="phClr">
+                <a:lumMod val="99000"/>
+                <a:satMod val="120000"/>
+                <a:shade val="78000"/>
+              </a:schemeClr>
+            </a:gs>
+          </a:gsLst>
+          <a:lin ang="5400000" scaled="0"/>
+        </a:gradFill>
+      </a:fillStyleLst>
+      <a:lnStyleLst>
+        <a:ln w="6350" cap="flat" cmpd="sng" algn="ctr">
+          <a:solidFill>
+            <a:schemeClr val="phClr"/>
+          </a:solidFill>
+          <a:prstDash val="solid"/>
+          <a:miter lim="800000"/>
+        </a:ln>
+        <a:ln w="12700" cap="flat" cmpd="sng" algn="ctr">
+          <a:solidFill>
+            <a:schemeClr val="phClr"/>
+          </a:solidFill>
+          <a:prstDash val="solid"/>
+          <a:miter lim="800000"/>
+        </a:ln>
+        <a:ln w="19050" cap="flat" cmpd="sng" algn="ctr">
+          <a:solidFill>
+            <a:schemeClr val="phClr"/>
+          </a:solidFill>
+          <a:prstDash val="solid"/>
+          <a:miter lim="800000"/>
+        </a:ln>
+      </a:lnStyleLst>
+      <a:effectStyleLst>
+        <a:effectStyle>
+          <a:effectLst/>
+        </a:effectStyle>
+        <a:effectStyle>
+          <a:effectLst/>
+        </a:effectStyle>
+        <a:effectStyle>
+          <a:effectLst>
+            <a:outerShdw blurRad="57150" dist="19050" dir="5400000" algn="ctr" rotWithShape="0">
+              <a:srgbClr val="000000">
+                <a:alpha val="63000"/>
+              </a:srgbClr>
+            </a:outerShdw>
+          </a:effectLst>
+        </a:effectStyle>
+      </a:effectStyleLst>
+      <a:bgFillStyleLst>
+        <a:solidFill>
+          <a:schemeClr val="phClr"/>
+        </a:solidFill>
+        <a:solidFill>
+          <a:schemeClr val="phClr">
+            <a:tint val="95000"/>
+            <a:satMod val="170000"/>
+          </a:schemeClr>
+        </a:solidFill>
+        <a:gradFill rotWithShape="1">
+          <a:gsLst>
+            <a:gs pos="0">
+              <a:schemeClr val="phClr">
+                <a:tint val="93000"/>
+                <a:satMod val="150000"/>
+                <a:shade val="98000"/>
+                <a:lumMod val="102000"/>
+              </a:schemeClr>
+            </a:gs>
+            <a:gs pos="50000">
+              <a:schemeClr val="phClr">
+                <a:tint val="98000"/>
+                <a:satMod val="130000"/>
+                <a:shade val="90000"/>
+                <a:lumMod val="103000"/>
+              </a:schemeClr>
+            </a:gs>
+            <a:gs pos="100000">
+              <a:schemeClr val="phClr">
+                <a:shade val="63000"/>
+                <a:satMod val="120000"/>
+              </a:schemeClr>
+            </a:gs>
+          </a:gsLst>
+          <a:lin ang="5400000" scaled="0"/>
+        </a:gradFill>
+      </a:bgFillStyleLst>
+    </a:fmtScheme>
+  </a:themeElements>
+  <a:objectDefaults/>
+  <a:extraClrSchemeLst/>
+  <a:extLst>
+    <a:ext uri="{05A4C25C-085E-4340-85A3-A5531E510DB2}">
+      <thm15:themeFamily xmlns:thm15="http://schemas.microsoft.com/office/thememl/2012/main" name="Office Theme" id="{62F939B6-93AF-4DB8-9C6B-D6C7DFDC589F}" vid="{4A3C46E8-61CC-4603-A589-7422A47A8E4A}"/>
+    </a:ext>
+  </a:extLst>
+</a:theme>
 </file>